--- a/presentation.pptx
+++ b/presentation.pptx
@@ -6,10 +6,10 @@
   </p:sldMasterIdLst>
   <p:sldIdLst>
     <p:sldId id="256" r:id="rId2"/>
-    <p:sldId id="257" r:id="rId3"/>
-    <p:sldId id="258" r:id="rId4"/>
-    <p:sldId id="260" r:id="rId5"/>
-    <p:sldId id="259" r:id="rId6"/>
+    <p:sldId id="262" r:id="rId3"/>
+    <p:sldId id="257" r:id="rId4"/>
+    <p:sldId id="259" r:id="rId5"/>
+    <p:sldId id="261" r:id="rId6"/>
   </p:sldIdLst>
   <p:sldSz cx="12192000" cy="6858000"/>
   <p:notesSz cx="6858000" cy="9144000"/>
@@ -108,13 +108,18 @@
       </a:defRPr>
     </a:lvl9pPr>
   </p:defaultTextStyle>
+  <p:extLst>
+    <p:ext uri="{EFAFB233-063F-42B5-8137-9DF3F51BA10A}">
+      <p15:sldGuideLst xmlns:p15="http://schemas.microsoft.com/office/powerpoint/2012/main"/>
+    </p:ext>
+  </p:extLst>
 </p:presentation>
 </file>
 
 <file path=ppt/revisionInfo.xml><?xml version="1.0" encoding="utf-8"?>
 <p1510:revInfo xmlns:a="http://schemas.openxmlformats.org/drawingml/2006/main" xmlns:r="http://schemas.openxmlformats.org/officeDocument/2006/relationships" xmlns:p1510="http://schemas.microsoft.com/office/powerpoint/2015/10/main">
   <p1510:revLst>
-    <p1510:client id="{EFD6B2E2-7E1A-440D-BC5A-B4D830B15713}" v="724" dt="2021-10-31T00:15:29.652"/>
+    <p1510:client id="{EFD6B2E2-7E1A-440D-BC5A-B4D830B15713}" v="1173" dt="2021-10-31T09:58:27.619"/>
   </p1510:revLst>
 </p1510:revInfo>
 </file>
@@ -123,13 +128,13 @@
 <pc:chgInfo xmlns:a="http://schemas.openxmlformats.org/drawingml/2006/main" xmlns:r="http://schemas.openxmlformats.org/officeDocument/2006/relationships" xmlns:ac="http://schemas.microsoft.com/office/drawing/2013/main/command" xmlns:pc="http://schemas.microsoft.com/office/powerpoint/2013/main/command">
   <pc:docChgLst>
     <pc:chgData name="Alassane WONE" userId="6ee3d247-377a-4c08-9aaf-14f146a8a423" providerId="ADAL" clId="{EFD6B2E2-7E1A-440D-BC5A-B4D830B15713}"/>
-    <pc:docChg chg="addSld modSld modMainMaster">
-      <pc:chgData name="Alassane WONE" userId="6ee3d247-377a-4c08-9aaf-14f146a8a423" providerId="ADAL" clId="{EFD6B2E2-7E1A-440D-BC5A-B4D830B15713}" dt="2021-10-31T00:15:29.652" v="709"/>
+    <pc:docChg chg="undo custSel addSld delSld modSld sldOrd modMainMaster">
+      <pc:chgData name="Alassane WONE" userId="6ee3d247-377a-4c08-9aaf-14f146a8a423" providerId="ADAL" clId="{EFD6B2E2-7E1A-440D-BC5A-B4D830B15713}" dt="2021-10-31T09:58:27.618" v="1261"/>
       <pc:docMkLst>
         <pc:docMk/>
       </pc:docMkLst>
-      <pc:sldChg chg="addSp delSp modSp setBg modAnim">
-        <pc:chgData name="Alassane WONE" userId="6ee3d247-377a-4c08-9aaf-14f146a8a423" providerId="ADAL" clId="{EFD6B2E2-7E1A-440D-BC5A-B4D830B15713}" dt="2021-10-30T23:50:57.940" v="562"/>
+      <pc:sldChg chg="addSp delSp modSp mod setBg modAnim">
+        <pc:chgData name="Alassane WONE" userId="6ee3d247-377a-4c08-9aaf-14f146a8a423" providerId="ADAL" clId="{EFD6B2E2-7E1A-440D-BC5A-B4D830B15713}" dt="2021-10-31T09:58:27.618" v="1261"/>
         <pc:sldMkLst>
           <pc:docMk/>
           <pc:sldMk cId="2604263776" sldId="256"/>
@@ -143,7 +148,7 @@
           </ac:spMkLst>
         </pc:spChg>
         <pc:spChg chg="mod">
-          <ac:chgData name="Alassane WONE" userId="6ee3d247-377a-4c08-9aaf-14f146a8a423" providerId="ADAL" clId="{EFD6B2E2-7E1A-440D-BC5A-B4D830B15713}" dt="2021-10-30T22:10:14.218" v="321"/>
+          <ac:chgData name="Alassane WONE" userId="6ee3d247-377a-4c08-9aaf-14f146a8a423" providerId="ADAL" clId="{EFD6B2E2-7E1A-440D-BC5A-B4D830B15713}" dt="2021-10-31T09:30:30.959" v="1096" actId="20577"/>
           <ac:spMkLst>
             <pc:docMk/>
             <pc:sldMk cId="2604263776" sldId="256"/>
@@ -199,7 +204,7 @@
           </ac:picMkLst>
         </pc:picChg>
         <pc:picChg chg="add mod">
-          <ac:chgData name="Alassane WONE" userId="6ee3d247-377a-4c08-9aaf-14f146a8a423" providerId="ADAL" clId="{EFD6B2E2-7E1A-440D-BC5A-B4D830B15713}" dt="2021-10-30T23:23:52.803" v="469"/>
+          <ac:chgData name="Alassane WONE" userId="6ee3d247-377a-4c08-9aaf-14f146a8a423" providerId="ADAL" clId="{EFD6B2E2-7E1A-440D-BC5A-B4D830B15713}" dt="2021-10-31T09:58:08.413" v="1260" actId="1076"/>
           <ac:picMkLst>
             <pc:docMk/>
             <pc:sldMk cId="2604263776" sldId="256"/>
@@ -238,8 +243,8 @@
           </ac:cxnSpMkLst>
         </pc:cxnChg>
       </pc:sldChg>
-      <pc:sldChg chg="addSp delSp modSp modAnim">
-        <pc:chgData name="Alassane WONE" userId="6ee3d247-377a-4c08-9aaf-14f146a8a423" providerId="ADAL" clId="{EFD6B2E2-7E1A-440D-BC5A-B4D830B15713}" dt="2021-10-31T00:15:29.652" v="709"/>
+      <pc:sldChg chg="addSp delSp modSp mod delAnim modAnim">
+        <pc:chgData name="Alassane WONE" userId="6ee3d247-377a-4c08-9aaf-14f146a8a423" providerId="ADAL" clId="{EFD6B2E2-7E1A-440D-BC5A-B4D830B15713}" dt="2021-10-31T09:53:18.752" v="1257"/>
         <pc:sldMkLst>
           <pc:docMk/>
           <pc:sldMk cId="374577944" sldId="257"/>
@@ -252,8 +257,8 @@
             <ac:spMk id="3" creationId="{96E56A7B-E409-4629-9DFA-C5A40A50FEA7}"/>
           </ac:spMkLst>
         </pc:spChg>
-        <pc:spChg chg="add mod">
-          <ac:chgData name="Alassane WONE" userId="6ee3d247-377a-4c08-9aaf-14f146a8a423" providerId="ADAL" clId="{EFD6B2E2-7E1A-440D-BC5A-B4D830B15713}" dt="2021-10-31T00:08:48.389" v="652" actId="20577"/>
+        <pc:spChg chg="add del mod">
+          <ac:chgData name="Alassane WONE" userId="6ee3d247-377a-4c08-9aaf-14f146a8a423" providerId="ADAL" clId="{EFD6B2E2-7E1A-440D-BC5A-B4D830B15713}" dt="2021-10-31T09:41:37.690" v="1176" actId="478"/>
           <ac:spMkLst>
             <pc:docMk/>
             <pc:sldMk cId="374577944" sldId="257"/>
@@ -269,7 +274,7 @@
           </ac:spMkLst>
         </pc:spChg>
         <pc:spChg chg="add mod">
-          <ac:chgData name="Alassane WONE" userId="6ee3d247-377a-4c08-9aaf-14f146a8a423" providerId="ADAL" clId="{EFD6B2E2-7E1A-440D-BC5A-B4D830B15713}" dt="2021-10-31T00:04:30.271" v="595" actId="115"/>
+          <ac:chgData name="Alassane WONE" userId="6ee3d247-377a-4c08-9aaf-14f146a8a423" providerId="ADAL" clId="{EFD6B2E2-7E1A-440D-BC5A-B4D830B15713}" dt="2021-10-31T09:13:44.834" v="1039" actId="20577"/>
           <ac:spMkLst>
             <pc:docMk/>
             <pc:sldMk cId="374577944" sldId="257"/>
@@ -284,6 +289,62 @@
             <ac:spMk id="25" creationId="{921C0102-83C7-45D8-8FFD-42E283154B20}"/>
           </ac:spMkLst>
         </pc:spChg>
+        <pc:picChg chg="add mod">
+          <ac:chgData name="Alassane WONE" userId="6ee3d247-377a-4c08-9aaf-14f146a8a423" providerId="ADAL" clId="{EFD6B2E2-7E1A-440D-BC5A-B4D830B15713}" dt="2021-10-31T09:44:57.342" v="1218" actId="1076"/>
+          <ac:picMkLst>
+            <pc:docMk/>
+            <pc:sldMk cId="374577944" sldId="257"/>
+            <ac:picMk id="3" creationId="{152ABA0D-3695-45A4-AF1B-16DDBF7D1199}"/>
+          </ac:picMkLst>
+        </pc:picChg>
+        <pc:picChg chg="add mod">
+          <ac:chgData name="Alassane WONE" userId="6ee3d247-377a-4c08-9aaf-14f146a8a423" providerId="ADAL" clId="{EFD6B2E2-7E1A-440D-BC5A-B4D830B15713}" dt="2021-10-31T09:44:52.738" v="1217" actId="1076"/>
+          <ac:picMkLst>
+            <pc:docMk/>
+            <pc:sldMk cId="374577944" sldId="257"/>
+            <ac:picMk id="5" creationId="{5407E517-EFB8-4C14-BD27-3D5561267BC7}"/>
+          </ac:picMkLst>
+        </pc:picChg>
+        <pc:picChg chg="add mod">
+          <ac:chgData name="Alassane WONE" userId="6ee3d247-377a-4c08-9aaf-14f146a8a423" providerId="ADAL" clId="{EFD6B2E2-7E1A-440D-BC5A-B4D830B15713}" dt="2021-10-31T09:44:26.792" v="1213" actId="1076"/>
+          <ac:picMkLst>
+            <pc:docMk/>
+            <pc:sldMk cId="374577944" sldId="257"/>
+            <ac:picMk id="7" creationId="{711D8546-C603-4818-A57A-9FAE3CDF1312}"/>
+          </ac:picMkLst>
+        </pc:picChg>
+        <pc:picChg chg="add mod">
+          <ac:chgData name="Alassane WONE" userId="6ee3d247-377a-4c08-9aaf-14f146a8a423" providerId="ADAL" clId="{EFD6B2E2-7E1A-440D-BC5A-B4D830B15713}" dt="2021-10-31T09:44:32.293" v="1214" actId="1076"/>
+          <ac:picMkLst>
+            <pc:docMk/>
+            <pc:sldMk cId="374577944" sldId="257"/>
+            <ac:picMk id="10" creationId="{EBB7D868-5BD1-424D-8332-3C1A12CBDD5D}"/>
+          </ac:picMkLst>
+        </pc:picChg>
+        <pc:picChg chg="add del mod modCrop">
+          <ac:chgData name="Alassane WONE" userId="6ee3d247-377a-4c08-9aaf-14f146a8a423" providerId="ADAL" clId="{EFD6B2E2-7E1A-440D-BC5A-B4D830B15713}" dt="2021-10-31T09:48:39.179" v="1236" actId="478"/>
+          <ac:picMkLst>
+            <pc:docMk/>
+            <pc:sldMk cId="374577944" sldId="257"/>
+            <ac:picMk id="14" creationId="{0A5E07C5-8F8A-4F30-8421-F267B616D4B7}"/>
+          </ac:picMkLst>
+        </pc:picChg>
+        <pc:picChg chg="add mod">
+          <ac:chgData name="Alassane WONE" userId="6ee3d247-377a-4c08-9aaf-14f146a8a423" providerId="ADAL" clId="{EFD6B2E2-7E1A-440D-BC5A-B4D830B15713}" dt="2021-10-31T09:50:13.516" v="1246" actId="1076"/>
+          <ac:picMkLst>
+            <pc:docMk/>
+            <pc:sldMk cId="374577944" sldId="257"/>
+            <ac:picMk id="16" creationId="{8C0C0DEE-5490-41F7-818B-EF10C8BB261D}"/>
+          </ac:picMkLst>
+        </pc:picChg>
+        <pc:picChg chg="mod">
+          <ac:chgData name="Alassane WONE" userId="6ee3d247-377a-4c08-9aaf-14f146a8a423" providerId="ADAL" clId="{EFD6B2E2-7E1A-440D-BC5A-B4D830B15713}" dt="2021-10-31T09:50:58.799" v="1247" actId="1076"/>
+          <ac:picMkLst>
+            <pc:docMk/>
+            <pc:sldMk cId="374577944" sldId="257"/>
+            <ac:picMk id="18" creationId="{4FC54411-381D-4B4B-82FC-6AECB1D7C6A1}"/>
+          </ac:picMkLst>
+        </pc:picChg>
       </pc:sldChg>
       <pc:sldChg chg="modSp">
         <pc:chgData name="Alassane WONE" userId="6ee3d247-377a-4c08-9aaf-14f146a8a423" providerId="ADAL" clId="{EFD6B2E2-7E1A-440D-BC5A-B4D830B15713}" dt="2021-10-30T22:58:55.655" v="448"/>
@@ -308,8 +369,8 @@
           </ac:spMkLst>
         </pc:spChg>
       </pc:sldChg>
-      <pc:sldChg chg="addSp modSp modAnim">
-        <pc:chgData name="Alassane WONE" userId="6ee3d247-377a-4c08-9aaf-14f146a8a423" providerId="ADAL" clId="{EFD6B2E2-7E1A-440D-BC5A-B4D830B15713}" dt="2021-10-31T00:15:09.711" v="707"/>
+      <pc:sldChg chg="addSp modSp del ord modAnim">
+        <pc:chgData name="Alassane WONE" userId="6ee3d247-377a-4c08-9aaf-14f146a8a423" providerId="ADAL" clId="{EFD6B2E2-7E1A-440D-BC5A-B4D830B15713}" dt="2021-10-31T09:20:40.961" v="1073" actId="47"/>
         <pc:sldMkLst>
           <pc:docMk/>
           <pc:sldMk cId="1234883352" sldId="258"/>
@@ -346,12 +407,20 @@
           </ac:spMkLst>
         </pc:spChg>
       </pc:sldChg>
-      <pc:sldChg chg="modSp modAnim">
-        <pc:chgData name="Alassane WONE" userId="6ee3d247-377a-4c08-9aaf-14f146a8a423" providerId="ADAL" clId="{EFD6B2E2-7E1A-440D-BC5A-B4D830B15713}" dt="2021-10-31T00:12:45.457" v="703" actId="20577"/>
+      <pc:sldChg chg="modSp mod modAnim">
+        <pc:chgData name="Alassane WONE" userId="6ee3d247-377a-4c08-9aaf-14f146a8a423" providerId="ADAL" clId="{EFD6B2E2-7E1A-440D-BC5A-B4D830B15713}" dt="2021-10-31T09:24:19.867" v="1076"/>
         <pc:sldMkLst>
           <pc:docMk/>
           <pc:sldMk cId="3495354867" sldId="259"/>
         </pc:sldMkLst>
+        <pc:spChg chg="mod">
+          <ac:chgData name="Alassane WONE" userId="6ee3d247-377a-4c08-9aaf-14f146a8a423" providerId="ADAL" clId="{EFD6B2E2-7E1A-440D-BC5A-B4D830B15713}" dt="2021-10-31T09:08:11.164" v="1026" actId="14100"/>
+          <ac:spMkLst>
+            <pc:docMk/>
+            <pc:sldMk cId="3495354867" sldId="259"/>
+            <ac:spMk id="17" creationId="{EEBCCB60-AA6B-4D33-8987-39D11C25DEF5}"/>
+          </ac:spMkLst>
+        </pc:spChg>
         <pc:spChg chg="mod">
           <ac:chgData name="Alassane WONE" userId="6ee3d247-377a-4c08-9aaf-14f146a8a423" providerId="ADAL" clId="{EFD6B2E2-7E1A-440D-BC5A-B4D830B15713}" dt="2021-10-31T00:12:45.457" v="703" actId="20577"/>
           <ac:spMkLst>
@@ -360,6 +429,98 @@
             <ac:spMk id="24" creationId="{03239AEB-44AD-439E-8C3A-0215AD8DCBF3}"/>
           </ac:spMkLst>
         </pc:spChg>
+      </pc:sldChg>
+      <pc:sldChg chg="del ord">
+        <pc:chgData name="Alassane WONE" userId="6ee3d247-377a-4c08-9aaf-14f146a8a423" providerId="ADAL" clId="{EFD6B2E2-7E1A-440D-BC5A-B4D830B15713}" dt="2021-10-31T09:20:42.300" v="1074" actId="47"/>
+        <pc:sldMkLst>
+          <pc:docMk/>
+          <pc:sldMk cId="1246832478" sldId="260"/>
+        </pc:sldMkLst>
+      </pc:sldChg>
+      <pc:sldChg chg="addSp delSp modSp add mod ord delAnim modAnim">
+        <pc:chgData name="Alassane WONE" userId="6ee3d247-377a-4c08-9aaf-14f146a8a423" providerId="ADAL" clId="{EFD6B2E2-7E1A-440D-BC5A-B4D830B15713}" dt="2021-10-31T09:15:03.364" v="1072" actId="1076"/>
+        <pc:sldMkLst>
+          <pc:docMk/>
+          <pc:sldMk cId="3484284596" sldId="261"/>
+        </pc:sldMkLst>
+        <pc:spChg chg="del">
+          <ac:chgData name="Alassane WONE" userId="6ee3d247-377a-4c08-9aaf-14f146a8a423" providerId="ADAL" clId="{EFD6B2E2-7E1A-440D-BC5A-B4D830B15713}" dt="2021-10-31T09:14:58.131" v="1070" actId="478"/>
+          <ac:spMkLst>
+            <pc:docMk/>
+            <pc:sldMk cId="3484284596" sldId="261"/>
+            <ac:spMk id="17" creationId="{EEBCCB60-AA6B-4D33-8987-39D11C25DEF5}"/>
+          </ac:spMkLst>
+        </pc:spChg>
+        <pc:spChg chg="mod">
+          <ac:chgData name="Alassane WONE" userId="6ee3d247-377a-4c08-9aaf-14f146a8a423" providerId="ADAL" clId="{EFD6B2E2-7E1A-440D-BC5A-B4D830B15713}" dt="2021-10-31T09:14:49.784" v="1069" actId="20577"/>
+          <ac:spMkLst>
+            <pc:docMk/>
+            <pc:sldMk cId="3484284596" sldId="261"/>
+            <ac:spMk id="24" creationId="{03239AEB-44AD-439E-8C3A-0215AD8DCBF3}"/>
+          </ac:spMkLst>
+        </pc:spChg>
+        <pc:picChg chg="add mod">
+          <ac:chgData name="Alassane WONE" userId="6ee3d247-377a-4c08-9aaf-14f146a8a423" providerId="ADAL" clId="{EFD6B2E2-7E1A-440D-BC5A-B4D830B15713}" dt="2021-10-31T09:15:03.364" v="1072" actId="1076"/>
+          <ac:picMkLst>
+            <pc:docMk/>
+            <pc:sldMk cId="3484284596" sldId="261"/>
+            <ac:picMk id="9" creationId="{103D6F08-90D6-4659-8B70-78F932136B36}"/>
+          </ac:picMkLst>
+        </pc:picChg>
+      </pc:sldChg>
+      <pc:sldChg chg="add del">
+        <pc:chgData name="Alassane WONE" userId="6ee3d247-377a-4c08-9aaf-14f146a8a423" providerId="ADAL" clId="{EFD6B2E2-7E1A-440D-BC5A-B4D830B15713}" dt="2021-10-31T09:30:03.926" v="1078" actId="47"/>
+        <pc:sldMkLst>
+          <pc:docMk/>
+          <pc:sldMk cId="1791510066" sldId="262"/>
+        </pc:sldMkLst>
+      </pc:sldChg>
+      <pc:sldChg chg="addSp delSp modSp add mod ord delAnim modAnim">
+        <pc:chgData name="Alassane WONE" userId="6ee3d247-377a-4c08-9aaf-14f146a8a423" providerId="ADAL" clId="{EFD6B2E2-7E1A-440D-BC5A-B4D830B15713}" dt="2021-10-31T09:53:49.566" v="1258"/>
+        <pc:sldMkLst>
+          <pc:docMk/>
+          <pc:sldMk cId="4159230771" sldId="262"/>
+        </pc:sldMkLst>
+        <pc:spChg chg="del">
+          <ac:chgData name="Alassane WONE" userId="6ee3d247-377a-4c08-9aaf-14f146a8a423" providerId="ADAL" clId="{EFD6B2E2-7E1A-440D-BC5A-B4D830B15713}" dt="2021-10-31T09:31:17.675" v="1155" actId="478"/>
+          <ac:spMkLst>
+            <pc:docMk/>
+            <pc:sldMk cId="4159230771" sldId="262"/>
+            <ac:spMk id="17" creationId="{EEBCCB60-AA6B-4D33-8987-39D11C25DEF5}"/>
+          </ac:spMkLst>
+        </pc:spChg>
+        <pc:spChg chg="mod">
+          <ac:chgData name="Alassane WONE" userId="6ee3d247-377a-4c08-9aaf-14f146a8a423" providerId="ADAL" clId="{EFD6B2E2-7E1A-440D-BC5A-B4D830B15713}" dt="2021-10-31T09:31:32.159" v="1156" actId="20577"/>
+          <ac:spMkLst>
+            <pc:docMk/>
+            <pc:sldMk cId="4159230771" sldId="262"/>
+            <ac:spMk id="24" creationId="{03239AEB-44AD-439E-8C3A-0215AD8DCBF3}"/>
+          </ac:spMkLst>
+        </pc:spChg>
+        <pc:picChg chg="add mod">
+          <ac:chgData name="Alassane WONE" userId="6ee3d247-377a-4c08-9aaf-14f146a8a423" providerId="ADAL" clId="{EFD6B2E2-7E1A-440D-BC5A-B4D830B15713}" dt="2021-10-31T09:37:00.113" v="1170" actId="1076"/>
+          <ac:picMkLst>
+            <pc:docMk/>
+            <pc:sldMk cId="4159230771" sldId="262"/>
+            <ac:picMk id="3" creationId="{AF65AA5B-CD4A-42BF-9CEC-37F45E5CC660}"/>
+          </ac:picMkLst>
+        </pc:picChg>
+        <pc:picChg chg="add mod">
+          <ac:chgData name="Alassane WONE" userId="6ee3d247-377a-4c08-9aaf-14f146a8a423" providerId="ADAL" clId="{EFD6B2E2-7E1A-440D-BC5A-B4D830B15713}" dt="2021-10-31T09:37:06.291" v="1171" actId="1076"/>
+          <ac:picMkLst>
+            <pc:docMk/>
+            <pc:sldMk cId="4159230771" sldId="262"/>
+            <ac:picMk id="5" creationId="{F75FD165-4431-428F-8867-5042D443D950}"/>
+          </ac:picMkLst>
+        </pc:picChg>
+        <pc:picChg chg="add mod">
+          <ac:chgData name="Alassane WONE" userId="6ee3d247-377a-4c08-9aaf-14f146a8a423" providerId="ADAL" clId="{EFD6B2E2-7E1A-440D-BC5A-B4D830B15713}" dt="2021-10-31T09:36:54.176" v="1169" actId="1076"/>
+          <ac:picMkLst>
+            <pc:docMk/>
+            <pc:sldMk cId="4159230771" sldId="262"/>
+            <ac:picMk id="7" creationId="{92BD7E9D-A643-4AA1-88BF-9FD39329EE8F}"/>
+          </ac:picMkLst>
+        </pc:picChg>
       </pc:sldChg>
       <pc:sldMasterChg chg="setBg modSldLayout">
         <pc:chgData name="Alassane WONE" userId="6ee3d247-377a-4c08-9aaf-14f146a8a423" providerId="ADAL" clId="{EFD6B2E2-7E1A-440D-BC5A-B4D830B15713}" dt="2021-10-30T22:08:25.079" v="310"/>
@@ -4343,11 +4504,6 @@
               </a:rPr>
               <a:t>L’accès facile à des syllabus d’occasion</a:t>
             </a:r>
-            <a:endParaRPr lang="fr-BE" sz="2800" dirty="0">
-              <a:solidFill>
-                <a:schemeClr val="tx1"/>
-              </a:solidFill>
-            </a:endParaRPr>
           </a:p>
         </p:txBody>
       </p:sp>
@@ -4589,30 +4745,21 @@
                             </p:childTnLst>
                           </p:cTn>
                         </p:par>
-                      </p:childTnLst>
-                    </p:cTn>
-                  </p:par>
-                  <p:par>
-                    <p:cTn id="10" fill="hold">
-                      <p:stCondLst>
-                        <p:cond delay="indefinite"/>
-                      </p:stCondLst>
-                      <p:childTnLst>
                         <p:par>
-                          <p:cTn id="11" fill="hold">
+                          <p:cTn id="10" fill="hold">
                             <p:stCondLst>
-                              <p:cond delay="0"/>
+                              <p:cond delay="1500"/>
                             </p:stCondLst>
                             <p:childTnLst>
                               <p:par>
-                                <p:cTn id="12" presetID="22" presetClass="entr" presetSubtype="8" fill="hold" grpId="1" nodeType="clickEffect">
+                                <p:cTn id="11" presetID="22" presetClass="entr" presetSubtype="8" fill="hold" grpId="1" nodeType="afterEffect">
                                   <p:stCondLst>
                                     <p:cond delay="0"/>
                                   </p:stCondLst>
                                   <p:childTnLst>
                                     <p:set>
                                       <p:cBhvr>
-                                        <p:cTn id="13" dur="1" fill="hold">
+                                        <p:cTn id="12" dur="1" fill="hold">
                                           <p:stCondLst>
                                             <p:cond delay="0"/>
                                           </p:stCondLst>
@@ -4634,7 +4781,7 @@
                                     </p:set>
                                     <p:animEffect transition="in" filter="wipe(left)">
                                       <p:cBhvr>
-                                        <p:cTn id="14" dur="1750"/>
+                                        <p:cTn id="13" dur="1750"/>
                                         <p:tgtEl>
                                           <p:spTgt spid="3">
                                             <p:txEl>
@@ -4648,14 +4795,14 @@
                                 </p:cTn>
                               </p:par>
                               <p:par>
-                                <p:cTn id="15" presetID="42" presetClass="path" presetSubtype="0" accel="50000" decel="50000" fill="hold" grpId="0" nodeType="withEffect">
+                                <p:cTn id="14" presetID="42" presetClass="path" presetSubtype="0" accel="50000" decel="50000" fill="hold" grpId="0" nodeType="withEffect">
                                   <p:stCondLst>
                                     <p:cond delay="0"/>
                                   </p:stCondLst>
                                   <p:childTnLst>
-                                    <p:animMotion origin="layout" path="M 0.23972 0.00208 L -2.5E-6 1.48148E-6 " pathEditMode="relative" rAng="0" ptsTypes="AA">
+                                    <p:animMotion origin="layout" path="M 0.23972 0.00208 L -2.29167E-6 3.7037E-6 " pathEditMode="relative" rAng="0" ptsTypes="AA">
                                       <p:cBhvr>
-                                        <p:cTn id="16" dur="1500" fill="hold"/>
+                                        <p:cTn id="15" dur="1500" fill="hold"/>
                                         <p:tgtEl>
                                           <p:spTgt spid="3">
                                             <p:txEl>
@@ -4939,77 +5086,6 @@
       </p:cxnSp>
       <p:sp>
         <p:nvSpPr>
-          <p:cNvPr id="17" name="ZoneTexte 16">
-            <a:extLst>
-              <a:ext uri="{FF2B5EF4-FFF2-40B4-BE49-F238E27FC236}">
-                <a16:creationId xmlns:a16="http://schemas.microsoft.com/office/drawing/2014/main" id="{EEBCCB60-AA6B-4D33-8987-39D11C25DEF5}"/>
-              </a:ext>
-            </a:extLst>
-          </p:cNvPr>
-          <p:cNvSpPr txBox="1"/>
-          <p:nvPr/>
-        </p:nvSpPr>
-        <p:spPr>
-          <a:xfrm>
-            <a:off x="561735" y="958092"/>
-            <a:ext cx="11311750" cy="2031325"/>
-          </a:xfrm>
-          <a:prstGeom prst="rect">
-            <a:avLst/>
-          </a:prstGeom>
-          <a:noFill/>
-        </p:spPr>
-        <p:txBody>
-          <a:bodyPr wrap="square" rtlCol="0">
-            <a:spAutoFit/>
-          </a:bodyPr>
-          <a:lstStyle/>
-          <a:p>
-            <a:r>
-              <a:rPr lang="fr-FR" dirty="0"/>
-              <a:t>Z</a:t>
-            </a:r>
-          </a:p>
-          <a:p>
-            <a:r>
-              <a:rPr lang="fr-FR" dirty="0"/>
-              <a:t>Z</a:t>
-            </a:r>
-          </a:p>
-          <a:p>
-            <a:r>
-              <a:rPr lang="fr-FR" dirty="0"/>
-              <a:t>Z</a:t>
-            </a:r>
-          </a:p>
-          <a:p>
-            <a:r>
-              <a:rPr lang="fr-FR" dirty="0"/>
-              <a:t>Z</a:t>
-            </a:r>
-          </a:p>
-          <a:p>
-            <a:r>
-              <a:rPr lang="fr-FR" dirty="0"/>
-              <a:t>Z</a:t>
-            </a:r>
-          </a:p>
-          <a:p>
-            <a:r>
-              <a:rPr lang="fr-FR" dirty="0"/>
-              <a:t>Z</a:t>
-            </a:r>
-          </a:p>
-          <a:p>
-            <a:r>
-              <a:rPr lang="fr-FR" dirty="0"/>
-              <a:t>z</a:t>
-            </a:r>
-          </a:p>
-        </p:txBody>
-      </p:sp>
-      <p:sp>
-        <p:nvSpPr>
           <p:cNvPr id="24" name="Sous-titre 2">
             <a:extLst>
               <a:ext uri="{FF2B5EF4-FFF2-40B4-BE49-F238E27FC236}">
@@ -5042,7 +5118,7 @@
                   <a:srgbClr val="F17830"/>
                 </a:solidFill>
               </a:rPr>
-              <a:t>Ce qu’on a utilisé</a:t>
+              <a:t>Objectifs de développement durable </a:t>
             </a:r>
             <a:endParaRPr lang="fr-BE" sz="3200" b="1" i="1" dirty="0">
               <a:solidFill>
@@ -5052,6 +5128,816 @@
           </a:p>
         </p:txBody>
       </p:sp>
+      <p:pic>
+        <p:nvPicPr>
+          <p:cNvPr id="3" name="Image 2" descr="Une image contenant texte&#10;&#10;Description générée automatiquement">
+            <a:extLst>
+              <a:ext uri="{FF2B5EF4-FFF2-40B4-BE49-F238E27FC236}">
+                <a16:creationId xmlns:a16="http://schemas.microsoft.com/office/drawing/2014/main" id="{AF65AA5B-CD4A-42BF-9CEC-37F45E5CC660}"/>
+              </a:ext>
+            </a:extLst>
+          </p:cNvPr>
+          <p:cNvPicPr>
+            <a:picLocks noChangeAspect="1"/>
+          </p:cNvPicPr>
+          <p:nvPr/>
+        </p:nvPicPr>
+        <p:blipFill>
+          <a:blip r:embed="rId3">
+            <a:extLst>
+              <a:ext uri="{28A0092B-C50C-407E-A947-70E740481C1C}">
+                <a14:useLocalDpi xmlns:a14="http://schemas.microsoft.com/office/drawing/2010/main" val="0"/>
+              </a:ext>
+            </a:extLst>
+          </a:blip>
+          <a:stretch>
+            <a:fillRect/>
+          </a:stretch>
+        </p:blipFill>
+        <p:spPr>
+          <a:xfrm>
+            <a:off x="2105305" y="2248150"/>
+            <a:ext cx="1659467" cy="1676400"/>
+          </a:xfrm>
+          <a:prstGeom prst="rect">
+            <a:avLst/>
+          </a:prstGeom>
+        </p:spPr>
+      </p:pic>
+      <p:pic>
+        <p:nvPicPr>
+          <p:cNvPr id="5" name="Image 4" descr="Une image contenant texte&#10;&#10;Description générée automatiquement">
+            <a:extLst>
+              <a:ext uri="{FF2B5EF4-FFF2-40B4-BE49-F238E27FC236}">
+                <a16:creationId xmlns:a16="http://schemas.microsoft.com/office/drawing/2014/main" id="{F75FD165-4431-428F-8867-5042D443D950}"/>
+              </a:ext>
+            </a:extLst>
+          </p:cNvPr>
+          <p:cNvPicPr>
+            <a:picLocks noChangeAspect="1"/>
+          </p:cNvPicPr>
+          <p:nvPr/>
+        </p:nvPicPr>
+        <p:blipFill>
+          <a:blip r:embed="rId4">
+            <a:extLst>
+              <a:ext uri="{28A0092B-C50C-407E-A947-70E740481C1C}">
+                <a14:useLocalDpi xmlns:a14="http://schemas.microsoft.com/office/drawing/2010/main" val="0"/>
+              </a:ext>
+            </a:extLst>
+          </a:blip>
+          <a:stretch>
+            <a:fillRect/>
+          </a:stretch>
+        </p:blipFill>
+        <p:spPr>
+          <a:xfrm>
+            <a:off x="8755198" y="2248149"/>
+            <a:ext cx="1663700" cy="1646767"/>
+          </a:xfrm>
+          <a:prstGeom prst="rect">
+            <a:avLst/>
+          </a:prstGeom>
+        </p:spPr>
+      </p:pic>
+      <p:pic>
+        <p:nvPicPr>
+          <p:cNvPr id="7" name="Image 6" descr="Une image contenant texte, clipart&#10;&#10;Description générée automatiquement">
+            <a:extLst>
+              <a:ext uri="{FF2B5EF4-FFF2-40B4-BE49-F238E27FC236}">
+                <a16:creationId xmlns:a16="http://schemas.microsoft.com/office/drawing/2014/main" id="{92BD7E9D-A643-4AA1-88BF-9FD39329EE8F}"/>
+              </a:ext>
+            </a:extLst>
+          </p:cNvPr>
+          <p:cNvPicPr>
+            <a:picLocks noChangeAspect="1"/>
+          </p:cNvPicPr>
+          <p:nvPr/>
+        </p:nvPicPr>
+        <p:blipFill>
+          <a:blip r:embed="rId5">
+            <a:extLst>
+              <a:ext uri="{28A0092B-C50C-407E-A947-70E740481C1C}">
+                <a14:useLocalDpi xmlns:a14="http://schemas.microsoft.com/office/drawing/2010/main" val="0"/>
+              </a:ext>
+            </a:extLst>
+          </a:blip>
+          <a:stretch>
+            <a:fillRect/>
+          </a:stretch>
+        </p:blipFill>
+        <p:spPr>
+          <a:xfrm>
+            <a:off x="5424960" y="2248150"/>
+            <a:ext cx="1672167" cy="1646767"/>
+          </a:xfrm>
+          <a:prstGeom prst="rect">
+            <a:avLst/>
+          </a:prstGeom>
+        </p:spPr>
+      </p:pic>
+    </p:spTree>
+    <p:extLst>
+      <p:ext uri="{BB962C8B-B14F-4D97-AF65-F5344CB8AC3E}">
+        <p14:creationId xmlns:p14="http://schemas.microsoft.com/office/powerpoint/2010/main" val="4159230771"/>
+      </p:ext>
+    </p:extLst>
+  </p:cSld>
+  <p:clrMapOvr>
+    <a:overrideClrMapping bg1="dk1" tx1="lt1" bg2="dk2" tx2="lt2" accent1="accent1" accent2="accent2" accent3="accent3" accent4="accent4" accent5="accent5" accent6="accent6" hlink="hlink" folHlink="folHlink"/>
+  </p:clrMapOvr>
+  <p:timing>
+    <p:tnLst>
+      <p:par>
+        <p:cTn id="1" dur="indefinite" restart="never" nodeType="tmRoot">
+          <p:childTnLst>
+            <p:seq concurrent="1" nextAc="seek">
+              <p:cTn id="2" dur="indefinite" nodeType="mainSeq">
+                <p:childTnLst>
+                  <p:par>
+                    <p:cTn id="3" fill="hold">
+                      <p:stCondLst>
+                        <p:cond delay="indefinite"/>
+                        <p:cond evt="onBegin" delay="0">
+                          <p:tn val="2"/>
+                        </p:cond>
+                      </p:stCondLst>
+                      <p:childTnLst>
+                        <p:par>
+                          <p:cTn id="4" fill="hold">
+                            <p:stCondLst>
+                              <p:cond delay="0"/>
+                            </p:stCondLst>
+                            <p:childTnLst>
+                              <p:par>
+                                <p:cTn id="5" presetID="22" presetClass="entr" presetSubtype="2" fill="hold" grpId="1" nodeType="afterEffect">
+                                  <p:stCondLst>
+                                    <p:cond delay="0"/>
+                                  </p:stCondLst>
+                                  <p:childTnLst>
+                                    <p:set>
+                                      <p:cBhvr>
+                                        <p:cTn id="6" dur="1" fill="hold">
+                                          <p:stCondLst>
+                                            <p:cond delay="0"/>
+                                          </p:stCondLst>
+                                        </p:cTn>
+                                        <p:tgtEl>
+                                          <p:spTgt spid="24">
+                                            <p:txEl>
+                                              <p:pRg st="0" end="0"/>
+                                            </p:txEl>
+                                          </p:spTgt>
+                                        </p:tgtEl>
+                                        <p:attrNameLst>
+                                          <p:attrName>style.visibility</p:attrName>
+                                        </p:attrNameLst>
+                                      </p:cBhvr>
+                                      <p:to>
+                                        <p:strVal val="visible"/>
+                                      </p:to>
+                                    </p:set>
+                                    <p:animEffect transition="in" filter="wipe(right)">
+                                      <p:cBhvr>
+                                        <p:cTn id="7" dur="1000"/>
+                                        <p:tgtEl>
+                                          <p:spTgt spid="24">
+                                            <p:txEl>
+                                              <p:pRg st="0" end="0"/>
+                                            </p:txEl>
+                                          </p:spTgt>
+                                        </p:tgtEl>
+                                      </p:cBhvr>
+                                    </p:animEffect>
+                                  </p:childTnLst>
+                                </p:cTn>
+                              </p:par>
+                              <p:par>
+                                <p:cTn id="8" presetID="63" presetClass="path" presetSubtype="0" accel="50000" decel="50000" fill="hold" grpId="0" nodeType="withEffect">
+                                  <p:stCondLst>
+                                    <p:cond delay="0"/>
+                                  </p:stCondLst>
+                                  <p:childTnLst>
+                                    <p:animMotion origin="layout" path="M -0.48607 -0.00047 L 2.29167E-6 2.22222E-6 " pathEditMode="relative" rAng="0" ptsTypes="AA">
+                                      <p:cBhvr>
+                                        <p:cTn id="9" dur="1000" fill="hold"/>
+                                        <p:tgtEl>
+                                          <p:spTgt spid="24">
+                                            <p:txEl>
+                                              <p:pRg st="0" end="0"/>
+                                            </p:txEl>
+                                          </p:spTgt>
+                                        </p:tgtEl>
+                                        <p:attrNameLst>
+                                          <p:attrName>ppt_x</p:attrName>
+                                          <p:attrName>ppt_y</p:attrName>
+                                        </p:attrNameLst>
+                                      </p:cBhvr>
+                                      <p:rCtr x="24297" y="23"/>
+                                    </p:animMotion>
+                                  </p:childTnLst>
+                                </p:cTn>
+                              </p:par>
+                            </p:childTnLst>
+                          </p:cTn>
+                        </p:par>
+                        <p:par>
+                          <p:cTn id="10" fill="hold">
+                            <p:stCondLst>
+                              <p:cond delay="1000"/>
+                            </p:stCondLst>
+                            <p:childTnLst>
+                              <p:par>
+                                <p:cTn id="11" presetID="10" presetClass="entr" presetSubtype="0" fill="hold" nodeType="afterEffect">
+                                  <p:stCondLst>
+                                    <p:cond delay="0"/>
+                                  </p:stCondLst>
+                                  <p:childTnLst>
+                                    <p:set>
+                                      <p:cBhvr>
+                                        <p:cTn id="12" dur="1" fill="hold">
+                                          <p:stCondLst>
+                                            <p:cond delay="0"/>
+                                          </p:stCondLst>
+                                        </p:cTn>
+                                        <p:tgtEl>
+                                          <p:spTgt spid="3"/>
+                                        </p:tgtEl>
+                                        <p:attrNameLst>
+                                          <p:attrName>style.visibility</p:attrName>
+                                        </p:attrNameLst>
+                                      </p:cBhvr>
+                                      <p:to>
+                                        <p:strVal val="visible"/>
+                                      </p:to>
+                                    </p:set>
+                                    <p:animEffect transition="in" filter="fade">
+                                      <p:cBhvr>
+                                        <p:cTn id="13" dur="500"/>
+                                        <p:tgtEl>
+                                          <p:spTgt spid="3"/>
+                                        </p:tgtEl>
+                                      </p:cBhvr>
+                                    </p:animEffect>
+                                  </p:childTnLst>
+                                </p:cTn>
+                              </p:par>
+                              <p:par>
+                                <p:cTn id="14" presetID="10" presetClass="entr" presetSubtype="0" fill="hold" nodeType="withEffect">
+                                  <p:stCondLst>
+                                    <p:cond delay="0"/>
+                                  </p:stCondLst>
+                                  <p:childTnLst>
+                                    <p:set>
+                                      <p:cBhvr>
+                                        <p:cTn id="15" dur="1" fill="hold">
+                                          <p:stCondLst>
+                                            <p:cond delay="0"/>
+                                          </p:stCondLst>
+                                        </p:cTn>
+                                        <p:tgtEl>
+                                          <p:spTgt spid="5"/>
+                                        </p:tgtEl>
+                                        <p:attrNameLst>
+                                          <p:attrName>style.visibility</p:attrName>
+                                        </p:attrNameLst>
+                                      </p:cBhvr>
+                                      <p:to>
+                                        <p:strVal val="visible"/>
+                                      </p:to>
+                                    </p:set>
+                                    <p:animEffect transition="in" filter="fade">
+                                      <p:cBhvr>
+                                        <p:cTn id="16" dur="500"/>
+                                        <p:tgtEl>
+                                          <p:spTgt spid="5"/>
+                                        </p:tgtEl>
+                                      </p:cBhvr>
+                                    </p:animEffect>
+                                  </p:childTnLst>
+                                </p:cTn>
+                              </p:par>
+                              <p:par>
+                                <p:cTn id="17" presetID="10" presetClass="entr" presetSubtype="0" fill="hold" nodeType="withEffect">
+                                  <p:stCondLst>
+                                    <p:cond delay="0"/>
+                                  </p:stCondLst>
+                                  <p:childTnLst>
+                                    <p:set>
+                                      <p:cBhvr>
+                                        <p:cTn id="18" dur="1" fill="hold">
+                                          <p:stCondLst>
+                                            <p:cond delay="0"/>
+                                          </p:stCondLst>
+                                        </p:cTn>
+                                        <p:tgtEl>
+                                          <p:spTgt spid="7"/>
+                                        </p:tgtEl>
+                                        <p:attrNameLst>
+                                          <p:attrName>style.visibility</p:attrName>
+                                        </p:attrNameLst>
+                                      </p:cBhvr>
+                                      <p:to>
+                                        <p:strVal val="visible"/>
+                                      </p:to>
+                                    </p:set>
+                                    <p:animEffect transition="in" filter="fade">
+                                      <p:cBhvr>
+                                        <p:cTn id="19" dur="500"/>
+                                        <p:tgtEl>
+                                          <p:spTgt spid="7"/>
+                                        </p:tgtEl>
+                                      </p:cBhvr>
+                                    </p:animEffect>
+                                  </p:childTnLst>
+                                </p:cTn>
+                              </p:par>
+                            </p:childTnLst>
+                          </p:cTn>
+                        </p:par>
+                      </p:childTnLst>
+                    </p:cTn>
+                  </p:par>
+                </p:childTnLst>
+              </p:cTn>
+              <p:prevCondLst>
+                <p:cond evt="onPrev" delay="0">
+                  <p:tgtEl>
+                    <p:sldTgt/>
+                  </p:tgtEl>
+                </p:cond>
+              </p:prevCondLst>
+              <p:nextCondLst>
+                <p:cond evt="onNext" delay="0">
+                  <p:tgtEl>
+                    <p:sldTgt/>
+                  </p:tgtEl>
+                </p:cond>
+              </p:nextCondLst>
+            </p:seq>
+          </p:childTnLst>
+        </p:cTn>
+      </p:par>
+    </p:tnLst>
+    <p:bldLst>
+      <p:bldP spid="24" grpId="0" build="p"/>
+      <p:bldP spid="24" grpId="1" build="p"/>
+    </p:bldLst>
+  </p:timing>
+</p:sld>
+</file>
+
+<file path=ppt/slides/slide3.xml><?xml version="1.0" encoding="utf-8"?>
+<p:sld xmlns:a="http://schemas.openxmlformats.org/drawingml/2006/main" xmlns:r="http://schemas.openxmlformats.org/officeDocument/2006/relationships" xmlns:p="http://schemas.openxmlformats.org/presentationml/2006/main">
+  <p:cSld>
+    <p:bg>
+      <p:bgPr>
+        <a:solidFill>
+          <a:schemeClr val="bg1">
+            <a:tint val="90000"/>
+            <a:shade val="97000"/>
+            <a:satMod val="130000"/>
+          </a:schemeClr>
+        </a:solidFill>
+        <a:effectLst/>
+      </p:bgPr>
+    </p:bg>
+    <p:spTree>
+      <p:nvGrpSpPr>
+        <p:cNvPr id="1" name=""/>
+        <p:cNvGrpSpPr/>
+        <p:nvPr/>
+      </p:nvGrpSpPr>
+      <p:grpSpPr>
+        <a:xfrm>
+          <a:off x="0" y="0"/>
+          <a:ext cx="0" cy="0"/>
+          <a:chOff x="0" y="0"/>
+          <a:chExt cx="0" cy="0"/>
+        </a:xfrm>
+      </p:grpSpPr>
+      <p:sp useBgFill="1">
+        <p:nvSpPr>
+          <p:cNvPr id="8" name="Rectangle 7">
+            <a:extLst>
+              <a:ext uri="{FF2B5EF4-FFF2-40B4-BE49-F238E27FC236}">
+                <a16:creationId xmlns:a16="http://schemas.microsoft.com/office/drawing/2014/main" id="{8C6E698C-8155-4B8B-BDC9-B7299772B509}"/>
+              </a:ext>
+              <a:ext uri="{C183D7F6-B498-43B3-948B-1728B52AA6E4}">
+                <adec:decorative xmlns:adec="http://schemas.microsoft.com/office/drawing/2017/decorative" val="1"/>
+              </a:ext>
+            </a:extLst>
+          </p:cNvPr>
+          <p:cNvSpPr>
+            <a:spLocks noGrp="1" noRot="1" noChangeAspect="1" noMove="1" noResize="1" noEditPoints="1" noAdjustHandles="1" noChangeArrowheads="1" noChangeShapeType="1" noTextEdit="1"/>
+          </p:cNvSpPr>
+          <p:nvPr>
+            <p:extLst>
+              <p:ext uri="{386F3935-93C4-4BCD-93E2-E3B085C9AB24}">
+                <p16:designElem xmlns:p16="http://schemas.microsoft.com/office/powerpoint/2015/main" val="1"/>
+              </p:ext>
+            </p:extLst>
+          </p:nvPr>
+        </p:nvSpPr>
+        <p:spPr>
+          <a:xfrm>
+            <a:off x="3175" y="0"/>
+            <a:ext cx="12188952" cy="6858000"/>
+          </a:xfrm>
+          <a:prstGeom prst="rect">
+            <a:avLst/>
+          </a:prstGeom>
+          <a:ln>
+            <a:noFill/>
+          </a:ln>
+        </p:spPr>
+        <p:style>
+          <a:lnRef idx="2">
+            <a:schemeClr val="accent1">
+              <a:shade val="50000"/>
+            </a:schemeClr>
+          </a:lnRef>
+          <a:fillRef idx="1">
+            <a:schemeClr val="accent1"/>
+          </a:fillRef>
+          <a:effectRef idx="0">
+            <a:schemeClr val="accent1"/>
+          </a:effectRef>
+          <a:fontRef idx="minor">
+            <a:schemeClr val="lt1"/>
+          </a:fontRef>
+        </p:style>
+        <p:txBody>
+          <a:bodyPr rtlCol="0" anchor="ctr"/>
+          <a:lstStyle/>
+          <a:p>
+            <a:pPr algn="ctr"/>
+            <a:endParaRPr lang="en-US"/>
+          </a:p>
+        </p:txBody>
+      </p:sp>
+      <p:sp>
+        <p:nvSpPr>
+          <p:cNvPr id="12" name="Rectangle 11">
+            <a:extLst>
+              <a:ext uri="{FF2B5EF4-FFF2-40B4-BE49-F238E27FC236}">
+                <a16:creationId xmlns:a16="http://schemas.microsoft.com/office/drawing/2014/main" id="{A05250E5-90D0-4E41-B9BD-FF661DE54040}"/>
+              </a:ext>
+              <a:ext uri="{C183D7F6-B498-43B3-948B-1728B52AA6E4}">
+                <adec:decorative xmlns:adec="http://schemas.microsoft.com/office/drawing/2017/decorative" val="1"/>
+              </a:ext>
+            </a:extLst>
+          </p:cNvPr>
+          <p:cNvSpPr>
+            <a:spLocks noGrp="1" noRot="1" noChangeAspect="1" noMove="1" noResize="1" noEditPoints="1" noAdjustHandles="1" noChangeArrowheads="1" noChangeShapeType="1" noTextEdit="1"/>
+          </p:cNvSpPr>
+          <p:nvPr>
+            <p:extLst>
+              <p:ext uri="{386F3935-93C4-4BCD-93E2-E3B085C9AB24}">
+                <p16:designElem xmlns:p16="http://schemas.microsoft.com/office/powerpoint/2015/main" val="1"/>
+              </p:ext>
+            </p:extLst>
+          </p:nvPr>
+        </p:nvSpPr>
+        <p:spPr>
+          <a:xfrm>
+            <a:off x="3175" y="6336792"/>
+            <a:ext cx="12188825" cy="521208"/>
+          </a:xfrm>
+          <a:prstGeom prst="rect">
+            <a:avLst/>
+          </a:prstGeom>
+          <a:solidFill>
+            <a:schemeClr val="bg1">
+              <a:lumMod val="75000"/>
+              <a:lumOff val="25000"/>
+            </a:schemeClr>
+          </a:solidFill>
+          <a:ln>
+            <a:noFill/>
+          </a:ln>
+        </p:spPr>
+        <p:style>
+          <a:lnRef idx="2">
+            <a:schemeClr val="accent1">
+              <a:shade val="50000"/>
+            </a:schemeClr>
+          </a:lnRef>
+          <a:fillRef idx="1">
+            <a:schemeClr val="accent1"/>
+          </a:fillRef>
+          <a:effectRef idx="0">
+            <a:schemeClr val="accent1"/>
+          </a:effectRef>
+          <a:fontRef idx="minor">
+            <a:schemeClr val="lt1"/>
+          </a:fontRef>
+        </p:style>
+      </p:sp>
+      <p:pic>
+        <p:nvPicPr>
+          <p:cNvPr id="18" name="Image 17">
+            <a:extLst>
+              <a:ext uri="{FF2B5EF4-FFF2-40B4-BE49-F238E27FC236}">
+                <a16:creationId xmlns:a16="http://schemas.microsoft.com/office/drawing/2014/main" id="{4FC54411-381D-4B4B-82FC-6AECB1D7C6A1}"/>
+              </a:ext>
+            </a:extLst>
+          </p:cNvPr>
+          <p:cNvPicPr>
+            <a:picLocks noChangeAspect="1"/>
+          </p:cNvPicPr>
+          <p:nvPr/>
+        </p:nvPicPr>
+        <p:blipFill>
+          <a:blip r:embed="rId2">
+            <a:alphaModFix amt="5000"/>
+            <a:extLst>
+              <a:ext uri="{28A0092B-C50C-407E-A947-70E740481C1C}">
+                <a14:useLocalDpi xmlns:a14="http://schemas.microsoft.com/office/drawing/2010/main" val="0"/>
+              </a:ext>
+            </a:extLst>
+          </a:blip>
+          <a:stretch>
+            <a:fillRect/>
+          </a:stretch>
+        </p:blipFill>
+        <p:spPr>
+          <a:xfrm>
+            <a:off x="2604951" y="285841"/>
+            <a:ext cx="6982097" cy="5910156"/>
+          </a:xfrm>
+          <a:prstGeom prst="rect">
+            <a:avLst/>
+          </a:prstGeom>
+        </p:spPr>
+      </p:pic>
+      <p:cxnSp>
+        <p:nvCxnSpPr>
+          <p:cNvPr id="11" name="Connecteur droit 10">
+            <a:extLst>
+              <a:ext uri="{FF2B5EF4-FFF2-40B4-BE49-F238E27FC236}">
+                <a16:creationId xmlns:a16="http://schemas.microsoft.com/office/drawing/2014/main" id="{2B024206-EA94-4FE0-AD96-A43307436E7C}"/>
+              </a:ext>
+            </a:extLst>
+          </p:cNvPr>
+          <p:cNvCxnSpPr>
+            <a:cxnSpLocks/>
+          </p:cNvCxnSpPr>
+          <p:nvPr/>
+        </p:nvCxnSpPr>
+        <p:spPr>
+          <a:xfrm>
+            <a:off x="561735" y="298580"/>
+            <a:ext cx="0" cy="5780314"/>
+          </a:xfrm>
+          <a:prstGeom prst="line">
+            <a:avLst/>
+          </a:prstGeom>
+          <a:ln w="28575">
+            <a:solidFill>
+              <a:srgbClr val="BD582C"/>
+            </a:solidFill>
+          </a:ln>
+        </p:spPr>
+        <p:style>
+          <a:lnRef idx="1">
+            <a:schemeClr val="accent1"/>
+          </a:lnRef>
+          <a:fillRef idx="0">
+            <a:schemeClr val="accent1"/>
+          </a:fillRef>
+          <a:effectRef idx="0">
+            <a:schemeClr val="accent1"/>
+          </a:effectRef>
+          <a:fontRef idx="minor">
+            <a:schemeClr val="tx1"/>
+          </a:fontRef>
+        </p:style>
+      </p:cxnSp>
+      <p:sp>
+        <p:nvSpPr>
+          <p:cNvPr id="24" name="Sous-titre 2">
+            <a:extLst>
+              <a:ext uri="{FF2B5EF4-FFF2-40B4-BE49-F238E27FC236}">
+                <a16:creationId xmlns:a16="http://schemas.microsoft.com/office/drawing/2014/main" id="{03239AEB-44AD-439E-8C3A-0215AD8DCBF3}"/>
+              </a:ext>
+            </a:extLst>
+          </p:cNvPr>
+          <p:cNvSpPr>
+            <a:spLocks noGrp="1"/>
+          </p:cNvSpPr>
+          <p:nvPr>
+            <p:ph type="subTitle" idx="1"/>
+          </p:nvPr>
+        </p:nvSpPr>
+        <p:spPr>
+          <a:xfrm>
+            <a:off x="561735" y="306619"/>
+            <a:ext cx="11398616" cy="626069"/>
+          </a:xfrm>
+        </p:spPr>
+        <p:txBody>
+          <a:bodyPr anchor="ctr">
+            <a:normAutofit/>
+          </a:bodyPr>
+          <a:lstStyle/>
+          <a:p>
+            <a:r>
+              <a:rPr lang="fr-FR" sz="3200" b="1" i="1" dirty="0">
+                <a:solidFill>
+                  <a:srgbClr val="F17830"/>
+                </a:solidFill>
+              </a:rPr>
+              <a:t>Les résultats</a:t>
+            </a:r>
+            <a:endParaRPr lang="fr-BE" sz="3200" b="1" i="1" dirty="0">
+              <a:solidFill>
+                <a:srgbClr val="F17830"/>
+              </a:solidFill>
+            </a:endParaRPr>
+          </a:p>
+        </p:txBody>
+      </p:sp>
+      <p:pic>
+        <p:nvPicPr>
+          <p:cNvPr id="3" name="Image 2" descr="Une image contenant table&#10;&#10;Description générée automatiquement">
+            <a:extLst>
+              <a:ext uri="{FF2B5EF4-FFF2-40B4-BE49-F238E27FC236}">
+                <a16:creationId xmlns:a16="http://schemas.microsoft.com/office/drawing/2014/main" id="{152ABA0D-3695-45A4-AF1B-16DDBF7D1199}"/>
+              </a:ext>
+            </a:extLst>
+          </p:cNvPr>
+          <p:cNvPicPr>
+            <a:picLocks noChangeAspect="1"/>
+          </p:cNvPicPr>
+          <p:nvPr/>
+        </p:nvPicPr>
+        <p:blipFill>
+          <a:blip r:embed="rId3">
+            <a:extLst>
+              <a:ext uri="{28A0092B-C50C-407E-A947-70E740481C1C}">
+                <a14:useLocalDpi xmlns:a14="http://schemas.microsoft.com/office/drawing/2010/main" val="0"/>
+              </a:ext>
+            </a:extLst>
+          </a:blip>
+          <a:stretch>
+            <a:fillRect/>
+          </a:stretch>
+        </p:blipFill>
+        <p:spPr>
+          <a:xfrm>
+            <a:off x="6411272" y="3686277"/>
+            <a:ext cx="5447847" cy="2581306"/>
+          </a:xfrm>
+          <a:prstGeom prst="rect">
+            <a:avLst/>
+          </a:prstGeom>
+        </p:spPr>
+      </p:pic>
+      <p:pic>
+        <p:nvPicPr>
+          <p:cNvPr id="5" name="Image 4">
+            <a:extLst>
+              <a:ext uri="{FF2B5EF4-FFF2-40B4-BE49-F238E27FC236}">
+                <a16:creationId xmlns:a16="http://schemas.microsoft.com/office/drawing/2014/main" id="{5407E517-EFB8-4C14-BD27-3D5561267BC7}"/>
+              </a:ext>
+            </a:extLst>
+          </p:cNvPr>
+          <p:cNvPicPr>
+            <a:picLocks noChangeAspect="1"/>
+          </p:cNvPicPr>
+          <p:nvPr/>
+        </p:nvPicPr>
+        <p:blipFill>
+          <a:blip r:embed="rId4">
+            <a:extLst>
+              <a:ext uri="{28A0092B-C50C-407E-A947-70E740481C1C}">
+                <a14:useLocalDpi xmlns:a14="http://schemas.microsoft.com/office/drawing/2010/main" val="0"/>
+              </a:ext>
+            </a:extLst>
+          </a:blip>
+          <a:stretch>
+            <a:fillRect/>
+          </a:stretch>
+        </p:blipFill>
+        <p:spPr>
+          <a:xfrm>
+            <a:off x="6411273" y="904746"/>
+            <a:ext cx="5447847" cy="2601045"/>
+          </a:xfrm>
+          <a:prstGeom prst="rect">
+            <a:avLst/>
+          </a:prstGeom>
+        </p:spPr>
+      </p:pic>
+      <p:pic>
+        <p:nvPicPr>
+          <p:cNvPr id="7" name="Image 6">
+            <a:extLst>
+              <a:ext uri="{FF2B5EF4-FFF2-40B4-BE49-F238E27FC236}">
+                <a16:creationId xmlns:a16="http://schemas.microsoft.com/office/drawing/2014/main" id="{711D8546-C603-4818-A57A-9FAE3CDF1312}"/>
+              </a:ext>
+            </a:extLst>
+          </p:cNvPr>
+          <p:cNvPicPr>
+            <a:picLocks noChangeAspect="1"/>
+          </p:cNvPicPr>
+          <p:nvPr/>
+        </p:nvPicPr>
+        <p:blipFill>
+          <a:blip r:embed="rId5">
+            <a:extLst>
+              <a:ext uri="{28A0092B-C50C-407E-A947-70E740481C1C}">
+                <a14:useLocalDpi xmlns:a14="http://schemas.microsoft.com/office/drawing/2010/main" val="0"/>
+              </a:ext>
+            </a:extLst>
+          </a:blip>
+          <a:stretch>
+            <a:fillRect/>
+          </a:stretch>
+        </p:blipFill>
+        <p:spPr>
+          <a:xfrm>
+            <a:off x="722784" y="911714"/>
+            <a:ext cx="5447847" cy="2594077"/>
+          </a:xfrm>
+          <a:prstGeom prst="rect">
+            <a:avLst/>
+          </a:prstGeom>
+        </p:spPr>
+      </p:pic>
+      <p:pic>
+        <p:nvPicPr>
+          <p:cNvPr id="10" name="Image 9" descr="Une image contenant texte&#10;&#10;Description générée automatiquement">
+            <a:extLst>
+              <a:ext uri="{FF2B5EF4-FFF2-40B4-BE49-F238E27FC236}">
+                <a16:creationId xmlns:a16="http://schemas.microsoft.com/office/drawing/2014/main" id="{EBB7D868-5BD1-424D-8332-3C1A12CBDD5D}"/>
+              </a:ext>
+            </a:extLst>
+          </p:cNvPr>
+          <p:cNvPicPr>
+            <a:picLocks noChangeAspect="1"/>
+          </p:cNvPicPr>
+          <p:nvPr/>
+        </p:nvPicPr>
+        <p:blipFill>
+          <a:blip r:embed="rId6">
+            <a:extLst>
+              <a:ext uri="{28A0092B-C50C-407E-A947-70E740481C1C}">
+                <a14:useLocalDpi xmlns:a14="http://schemas.microsoft.com/office/drawing/2010/main" val="0"/>
+              </a:ext>
+            </a:extLst>
+          </a:blip>
+          <a:stretch>
+            <a:fillRect/>
+          </a:stretch>
+        </p:blipFill>
+        <p:spPr>
+          <a:xfrm>
+            <a:off x="722783" y="3664991"/>
+            <a:ext cx="5447848" cy="2602592"/>
+          </a:xfrm>
+          <a:prstGeom prst="rect">
+            <a:avLst/>
+          </a:prstGeom>
+        </p:spPr>
+      </p:pic>
+      <p:pic>
+        <p:nvPicPr>
+          <p:cNvPr id="16" name="Image 15" descr="Une image contenant texte, trousse de secours, clipart, signe&#10;&#10;Description générée automatiquement">
+            <a:extLst>
+              <a:ext uri="{FF2B5EF4-FFF2-40B4-BE49-F238E27FC236}">
+                <a16:creationId xmlns:a16="http://schemas.microsoft.com/office/drawing/2014/main" id="{8C0C0DEE-5490-41F7-818B-EF10C8BB261D}"/>
+              </a:ext>
+            </a:extLst>
+          </p:cNvPr>
+          <p:cNvPicPr>
+            <a:picLocks noChangeAspect="1"/>
+          </p:cNvPicPr>
+          <p:nvPr/>
+        </p:nvPicPr>
+        <p:blipFill>
+          <a:blip r:embed="rId7">
+            <a:extLst>
+              <a:ext uri="{28A0092B-C50C-407E-A947-70E740481C1C}">
+                <a14:useLocalDpi xmlns:a14="http://schemas.microsoft.com/office/drawing/2010/main" val="0"/>
+              </a:ext>
+            </a:extLst>
+          </a:blip>
+          <a:stretch>
+            <a:fillRect/>
+          </a:stretch>
+        </p:blipFill>
+        <p:spPr>
+          <a:xfrm>
+            <a:off x="5884090" y="6371423"/>
+            <a:ext cx="817406" cy="453405"/>
+          </a:xfrm>
+          <a:prstGeom prst="rect">
+            <a:avLst/>
+          </a:prstGeom>
+        </p:spPr>
+      </p:pic>
     </p:spTree>
     <p:extLst>
       <p:ext uri="{BB962C8B-B14F-4D97-AF65-F5344CB8AC3E}">
@@ -5134,7 +6020,7 @@
                                     <p:cond delay="0"/>
                                   </p:stCondLst>
                                   <p:childTnLst>
-                                    <p:animMotion origin="layout" path="M -0.20547 0.00116 L -2.91667E-6 2.22222E-6 " pathEditMode="relative" rAng="0" ptsTypes="AA">
+                                    <p:animMotion origin="layout" path="M -0.20547 0.00116 L 2.5E-6 2.22222E-6 " pathEditMode="relative" rAng="0" ptsTypes="AA">
                                       <p:cBhvr>
                                         <p:cTn id="9" dur="1000" fill="hold"/>
                                         <p:tgtEl>
@@ -5164,7 +6050,7 @@
                             </p:stCondLst>
                             <p:childTnLst>
                               <p:par>
-                                <p:cTn id="11" presetID="10" presetClass="entr" presetSubtype="0" fill="hold" grpId="0" nodeType="afterEffect">
+                                <p:cTn id="11" presetID="10" presetClass="entr" presetSubtype="0" fill="hold" nodeType="afterEffect">
                                   <p:stCondLst>
                                     <p:cond delay="0"/>
                                   </p:stCondLst>
@@ -5177,7 +6063,7 @@
                                           </p:stCondLst>
                                         </p:cTn>
                                         <p:tgtEl>
-                                          <p:spTgt spid="17"/>
+                                          <p:spTgt spid="7"/>
                                         </p:tgtEl>
                                         <p:attrNameLst>
                                           <p:attrName>style.visibility</p:attrName>
@@ -5191,7 +6077,147 @@
                                       <p:cBhvr>
                                         <p:cTn id="13" dur="500"/>
                                         <p:tgtEl>
-                                          <p:spTgt spid="17"/>
+                                          <p:spTgt spid="7"/>
+                                        </p:tgtEl>
+                                      </p:cBhvr>
+                                    </p:animEffect>
+                                  </p:childTnLst>
+                                </p:cTn>
+                              </p:par>
+                              <p:par>
+                                <p:cTn id="14" presetID="10" presetClass="entr" presetSubtype="0" fill="hold" nodeType="withEffect">
+                                  <p:stCondLst>
+                                    <p:cond delay="0"/>
+                                  </p:stCondLst>
+                                  <p:childTnLst>
+                                    <p:set>
+                                      <p:cBhvr>
+                                        <p:cTn id="15" dur="1" fill="hold">
+                                          <p:stCondLst>
+                                            <p:cond delay="0"/>
+                                          </p:stCondLst>
+                                        </p:cTn>
+                                        <p:tgtEl>
+                                          <p:spTgt spid="5"/>
+                                        </p:tgtEl>
+                                        <p:attrNameLst>
+                                          <p:attrName>style.visibility</p:attrName>
+                                        </p:attrNameLst>
+                                      </p:cBhvr>
+                                      <p:to>
+                                        <p:strVal val="visible"/>
+                                      </p:to>
+                                    </p:set>
+                                    <p:animEffect transition="in" filter="fade">
+                                      <p:cBhvr>
+                                        <p:cTn id="16" dur="500"/>
+                                        <p:tgtEl>
+                                          <p:spTgt spid="5"/>
+                                        </p:tgtEl>
+                                      </p:cBhvr>
+                                    </p:animEffect>
+                                  </p:childTnLst>
+                                </p:cTn>
+                              </p:par>
+                              <p:par>
+                                <p:cTn id="17" presetID="10" presetClass="entr" presetSubtype="0" fill="hold" nodeType="withEffect">
+                                  <p:stCondLst>
+                                    <p:cond delay="0"/>
+                                  </p:stCondLst>
+                                  <p:childTnLst>
+                                    <p:set>
+                                      <p:cBhvr>
+                                        <p:cTn id="18" dur="1" fill="hold">
+                                          <p:stCondLst>
+                                            <p:cond delay="0"/>
+                                          </p:stCondLst>
+                                        </p:cTn>
+                                        <p:tgtEl>
+                                          <p:spTgt spid="10"/>
+                                        </p:tgtEl>
+                                        <p:attrNameLst>
+                                          <p:attrName>style.visibility</p:attrName>
+                                        </p:attrNameLst>
+                                      </p:cBhvr>
+                                      <p:to>
+                                        <p:strVal val="visible"/>
+                                      </p:to>
+                                    </p:set>
+                                    <p:animEffect transition="in" filter="fade">
+                                      <p:cBhvr>
+                                        <p:cTn id="19" dur="500"/>
+                                        <p:tgtEl>
+                                          <p:spTgt spid="10"/>
+                                        </p:tgtEl>
+                                      </p:cBhvr>
+                                    </p:animEffect>
+                                  </p:childTnLst>
+                                </p:cTn>
+                              </p:par>
+                              <p:par>
+                                <p:cTn id="20" presetID="10" presetClass="entr" presetSubtype="0" fill="hold" nodeType="withEffect">
+                                  <p:stCondLst>
+                                    <p:cond delay="0"/>
+                                  </p:stCondLst>
+                                  <p:childTnLst>
+                                    <p:set>
+                                      <p:cBhvr>
+                                        <p:cTn id="21" dur="1" fill="hold">
+                                          <p:stCondLst>
+                                            <p:cond delay="0"/>
+                                          </p:stCondLst>
+                                        </p:cTn>
+                                        <p:tgtEl>
+                                          <p:spTgt spid="3"/>
+                                        </p:tgtEl>
+                                        <p:attrNameLst>
+                                          <p:attrName>style.visibility</p:attrName>
+                                        </p:attrNameLst>
+                                      </p:cBhvr>
+                                      <p:to>
+                                        <p:strVal val="visible"/>
+                                      </p:to>
+                                    </p:set>
+                                    <p:animEffect transition="in" filter="fade">
+                                      <p:cBhvr>
+                                        <p:cTn id="22" dur="500"/>
+                                        <p:tgtEl>
+                                          <p:spTgt spid="3"/>
+                                        </p:tgtEl>
+                                      </p:cBhvr>
+                                    </p:animEffect>
+                                  </p:childTnLst>
+                                </p:cTn>
+                              </p:par>
+                              <p:par>
+                                <p:cTn id="23" presetID="10" presetClass="entr" presetSubtype="0" fill="hold" nodeType="withEffect">
+                                  <p:stCondLst>
+                                    <p:cond delay="0"/>
+                                  </p:stCondLst>
+                                  <p:childTnLst>
+                                    <p:set>
+                                      <p:cBhvr>
+                                        <p:cTn id="24" dur="1" fill="hold">
+                                          <p:stCondLst>
+                                            <p:cond delay="0"/>
+                                          </p:stCondLst>
+                                        </p:cTn>
+                                        <p:tgtEl>
+                                          <p:spTgt spid="16"/>
+                                        </p:tgtEl>
+                                        <p:attrNameLst>
+                                          <p:attrName>style.visibility</p:attrName>
+                                        </p:attrNameLst>
+                                      </p:cBhvr>
+                                      <p:to>
+                                        <p:strVal val="visible"/>
+                                      </p:to>
+                                    </p:set>
+                                    <p:animEffect transition="in" filter="fade">
+                                      <p:cBhvr>
+                                        <p:cTn id="25" dur="500"/>
+                                        <p:tgtEl>
+                                          <p:spTgt spid="16"/>
                                         </p:tgtEl>
                                       </p:cBhvr>
                                     </p:animEffect>
@@ -5226,372 +6252,9 @@
       </p:par>
     </p:tnLst>
     <p:bldLst>
-      <p:bldP spid="17" grpId="0"/>
       <p:bldP spid="24" grpId="0" build="p"/>
       <p:bldP spid="24" grpId="1" build="p"/>
     </p:bldLst>
-  </p:timing>
-</p:sld>
-</file>
-
-<file path=ppt/slides/slide3.xml><?xml version="1.0" encoding="utf-8"?>
-<p:sld xmlns:a="http://schemas.openxmlformats.org/drawingml/2006/main" xmlns:r="http://schemas.openxmlformats.org/officeDocument/2006/relationships" xmlns:p="http://schemas.openxmlformats.org/presentationml/2006/main">
-  <p:cSld>
-    <p:bg>
-      <p:bgPr>
-        <a:solidFill>
-          <a:schemeClr val="bg1">
-            <a:tint val="90000"/>
-            <a:shade val="97000"/>
-            <a:satMod val="130000"/>
-          </a:schemeClr>
-        </a:solidFill>
-        <a:effectLst/>
-      </p:bgPr>
-    </p:bg>
-    <p:spTree>
-      <p:nvGrpSpPr>
-        <p:cNvPr id="1" name=""/>
-        <p:cNvGrpSpPr/>
-        <p:nvPr/>
-      </p:nvGrpSpPr>
-      <p:grpSpPr>
-        <a:xfrm>
-          <a:off x="0" y="0"/>
-          <a:ext cx="0" cy="0"/>
-          <a:chOff x="0" y="0"/>
-          <a:chExt cx="0" cy="0"/>
-        </a:xfrm>
-      </p:grpSpPr>
-      <p:sp useBgFill="1">
-        <p:nvSpPr>
-          <p:cNvPr id="8" name="Rectangle 7">
-            <a:extLst>
-              <a:ext uri="{FF2B5EF4-FFF2-40B4-BE49-F238E27FC236}">
-                <a16:creationId xmlns:a16="http://schemas.microsoft.com/office/drawing/2014/main" id="{8C6E698C-8155-4B8B-BDC9-B7299772B509}"/>
-              </a:ext>
-              <a:ext uri="{C183D7F6-B498-43B3-948B-1728B52AA6E4}">
-                <adec:decorative xmlns:adec="http://schemas.microsoft.com/office/drawing/2017/decorative" val="1"/>
-              </a:ext>
-            </a:extLst>
-          </p:cNvPr>
-          <p:cNvSpPr>
-            <a:spLocks noGrp="1" noRot="1" noChangeAspect="1" noMove="1" noResize="1" noEditPoints="1" noAdjustHandles="1" noChangeArrowheads="1" noChangeShapeType="1" noTextEdit="1"/>
-          </p:cNvSpPr>
-          <p:nvPr>
-            <p:extLst>
-              <p:ext uri="{386F3935-93C4-4BCD-93E2-E3B085C9AB24}">
-                <p16:designElem xmlns:p16="http://schemas.microsoft.com/office/powerpoint/2015/main" val="1"/>
-              </p:ext>
-            </p:extLst>
-          </p:nvPr>
-        </p:nvSpPr>
-        <p:spPr>
-          <a:xfrm>
-            <a:off x="3175" y="0"/>
-            <a:ext cx="12188952" cy="6858000"/>
-          </a:xfrm>
-          <a:prstGeom prst="rect">
-            <a:avLst/>
-          </a:prstGeom>
-          <a:ln>
-            <a:noFill/>
-          </a:ln>
-        </p:spPr>
-        <p:style>
-          <a:lnRef idx="2">
-            <a:schemeClr val="accent1">
-              <a:shade val="50000"/>
-            </a:schemeClr>
-          </a:lnRef>
-          <a:fillRef idx="1">
-            <a:schemeClr val="accent1"/>
-          </a:fillRef>
-          <a:effectRef idx="0">
-            <a:schemeClr val="accent1"/>
-          </a:effectRef>
-          <a:fontRef idx="minor">
-            <a:schemeClr val="lt1"/>
-          </a:fontRef>
-        </p:style>
-        <p:txBody>
-          <a:bodyPr rtlCol="0" anchor="ctr"/>
-          <a:lstStyle/>
-          <a:p>
-            <a:pPr algn="ctr"/>
-            <a:endParaRPr lang="en-US"/>
-          </a:p>
-        </p:txBody>
-      </p:sp>
-      <p:sp>
-        <p:nvSpPr>
-          <p:cNvPr id="12" name="Rectangle 11">
-            <a:extLst>
-              <a:ext uri="{FF2B5EF4-FFF2-40B4-BE49-F238E27FC236}">
-                <a16:creationId xmlns:a16="http://schemas.microsoft.com/office/drawing/2014/main" id="{A05250E5-90D0-4E41-B9BD-FF661DE54040}"/>
-              </a:ext>
-              <a:ext uri="{C183D7F6-B498-43B3-948B-1728B52AA6E4}">
-                <adec:decorative xmlns:adec="http://schemas.microsoft.com/office/drawing/2017/decorative" val="1"/>
-              </a:ext>
-            </a:extLst>
-          </p:cNvPr>
-          <p:cNvSpPr>
-            <a:spLocks noGrp="1" noRot="1" noChangeAspect="1" noMove="1" noResize="1" noEditPoints="1" noAdjustHandles="1" noChangeArrowheads="1" noChangeShapeType="1" noTextEdit="1"/>
-          </p:cNvSpPr>
-          <p:nvPr>
-            <p:extLst>
-              <p:ext uri="{386F3935-93C4-4BCD-93E2-E3B085C9AB24}">
-                <p16:designElem xmlns:p16="http://schemas.microsoft.com/office/powerpoint/2015/main" val="1"/>
-              </p:ext>
-            </p:extLst>
-          </p:nvPr>
-        </p:nvSpPr>
-        <p:spPr>
-          <a:xfrm>
-            <a:off x="3175" y="6336792"/>
-            <a:ext cx="12188825" cy="521208"/>
-          </a:xfrm>
-          <a:prstGeom prst="rect">
-            <a:avLst/>
-          </a:prstGeom>
-          <a:solidFill>
-            <a:schemeClr val="bg1">
-              <a:lumMod val="75000"/>
-              <a:lumOff val="25000"/>
-            </a:schemeClr>
-          </a:solidFill>
-          <a:ln>
-            <a:noFill/>
-          </a:ln>
-        </p:spPr>
-        <p:style>
-          <a:lnRef idx="2">
-            <a:schemeClr val="accent1">
-              <a:shade val="50000"/>
-            </a:schemeClr>
-          </a:lnRef>
-          <a:fillRef idx="1">
-            <a:schemeClr val="accent1"/>
-          </a:fillRef>
-          <a:effectRef idx="0">
-            <a:schemeClr val="accent1"/>
-          </a:effectRef>
-          <a:fontRef idx="minor">
-            <a:schemeClr val="lt1"/>
-          </a:fontRef>
-        </p:style>
-      </p:sp>
-      <p:pic>
-        <p:nvPicPr>
-          <p:cNvPr id="18" name="Image 17">
-            <a:extLst>
-              <a:ext uri="{FF2B5EF4-FFF2-40B4-BE49-F238E27FC236}">
-                <a16:creationId xmlns:a16="http://schemas.microsoft.com/office/drawing/2014/main" id="{4FC54411-381D-4B4B-82FC-6AECB1D7C6A1}"/>
-              </a:ext>
-            </a:extLst>
-          </p:cNvPr>
-          <p:cNvPicPr>
-            <a:picLocks noChangeAspect="1"/>
-          </p:cNvPicPr>
-          <p:nvPr/>
-        </p:nvPicPr>
-        <p:blipFill>
-          <a:blip r:embed="rId2">
-            <a:alphaModFix amt="5000"/>
-            <a:extLst>
-              <a:ext uri="{28A0092B-C50C-407E-A947-70E740481C1C}">
-                <a14:useLocalDpi xmlns:a14="http://schemas.microsoft.com/office/drawing/2010/main" val="0"/>
-              </a:ext>
-            </a:extLst>
-          </a:blip>
-          <a:stretch>
-            <a:fillRect/>
-          </a:stretch>
-        </p:blipFill>
-        <p:spPr>
-          <a:xfrm>
-            <a:off x="2604951" y="332023"/>
-            <a:ext cx="6982097" cy="5910156"/>
-          </a:xfrm>
-          <a:prstGeom prst="rect">
-            <a:avLst/>
-          </a:prstGeom>
-        </p:spPr>
-      </p:pic>
-      <p:cxnSp>
-        <p:nvCxnSpPr>
-          <p:cNvPr id="11" name="Connecteur droit 10">
-            <a:extLst>
-              <a:ext uri="{FF2B5EF4-FFF2-40B4-BE49-F238E27FC236}">
-                <a16:creationId xmlns:a16="http://schemas.microsoft.com/office/drawing/2014/main" id="{2B024206-EA94-4FE0-AD96-A43307436E7C}"/>
-              </a:ext>
-            </a:extLst>
-          </p:cNvPr>
-          <p:cNvCxnSpPr>
-            <a:cxnSpLocks/>
-          </p:cNvCxnSpPr>
-          <p:nvPr/>
-        </p:nvCxnSpPr>
-        <p:spPr>
-          <a:xfrm>
-            <a:off x="561735" y="298580"/>
-            <a:ext cx="0" cy="5780314"/>
-          </a:xfrm>
-          <a:prstGeom prst="line">
-            <a:avLst/>
-          </a:prstGeom>
-          <a:ln w="28575">
-            <a:solidFill>
-              <a:srgbClr val="BD582C"/>
-            </a:solidFill>
-          </a:ln>
-        </p:spPr>
-        <p:style>
-          <a:lnRef idx="1">
-            <a:schemeClr val="accent1"/>
-          </a:lnRef>
-          <a:fillRef idx="0">
-            <a:schemeClr val="accent1"/>
-          </a:fillRef>
-          <a:effectRef idx="0">
-            <a:schemeClr val="accent1"/>
-          </a:effectRef>
-          <a:fontRef idx="minor">
-            <a:schemeClr val="tx1"/>
-          </a:fontRef>
-        </p:style>
-      </p:cxnSp>
-      <p:pic>
-        <p:nvPicPr>
-          <p:cNvPr id="5" name="Image 4">
-            <a:extLst>
-              <a:ext uri="{FF2B5EF4-FFF2-40B4-BE49-F238E27FC236}">
-                <a16:creationId xmlns:a16="http://schemas.microsoft.com/office/drawing/2014/main" id="{B3780057-9DBD-443C-93AE-8765285510E2}"/>
-              </a:ext>
-            </a:extLst>
-          </p:cNvPr>
-          <p:cNvPicPr>
-            <a:picLocks noChangeAspect="1"/>
-          </p:cNvPicPr>
-          <p:nvPr/>
-        </p:nvPicPr>
-        <p:blipFill>
-          <a:blip r:embed="rId3">
-            <a:extLst>
-              <a:ext uri="{28A0092B-C50C-407E-A947-70E740481C1C}">
-                <a14:useLocalDpi xmlns:a14="http://schemas.microsoft.com/office/drawing/2010/main" val="0"/>
-              </a:ext>
-            </a:extLst>
-          </a:blip>
-          <a:stretch>
-            <a:fillRect/>
-          </a:stretch>
-        </p:blipFill>
-        <p:spPr>
-          <a:xfrm>
-            <a:off x="896231" y="615821"/>
-            <a:ext cx="10961400" cy="5222298"/>
-          </a:xfrm>
-          <a:prstGeom prst="rect">
-            <a:avLst/>
-          </a:prstGeom>
-        </p:spPr>
-      </p:pic>
-    </p:spTree>
-    <p:extLst>
-      <p:ext uri="{BB962C8B-B14F-4D97-AF65-F5344CB8AC3E}">
-        <p14:creationId xmlns:p14="http://schemas.microsoft.com/office/powerpoint/2010/main" val="1234883352"/>
-      </p:ext>
-    </p:extLst>
-  </p:cSld>
-  <p:clrMapOvr>
-    <a:overrideClrMapping bg1="dk1" tx1="lt1" bg2="dk2" tx2="lt2" accent1="accent1" accent2="accent2" accent3="accent3" accent4="accent4" accent5="accent5" accent6="accent6" hlink="hlink" folHlink="folHlink"/>
-  </p:clrMapOvr>
-  <p:timing>
-    <p:tnLst>
-      <p:par>
-        <p:cTn id="1" dur="indefinite" restart="never" nodeType="tmRoot">
-          <p:childTnLst>
-            <p:seq concurrent="1" nextAc="seek">
-              <p:cTn id="2" dur="indefinite" nodeType="mainSeq">
-                <p:childTnLst>
-                  <p:par>
-                    <p:cTn id="3" fill="hold">
-                      <p:stCondLst>
-                        <p:cond delay="indefinite"/>
-                        <p:cond evt="onBegin" delay="0">
-                          <p:tn val="2"/>
-                        </p:cond>
-                      </p:stCondLst>
-                      <p:childTnLst>
-                        <p:par>
-                          <p:cTn id="4" fill="hold">
-                            <p:stCondLst>
-                              <p:cond delay="0"/>
-                            </p:stCondLst>
-                            <p:childTnLst>
-                              <p:par>
-                                <p:cTn id="5" presetID="10" presetClass="entr" presetSubtype="0" fill="hold" nodeType="afterEffect">
-                                  <p:stCondLst>
-                                    <p:cond delay="0"/>
-                                  </p:stCondLst>
-                                  <p:childTnLst>
-                                    <p:set>
-                                      <p:cBhvr>
-                                        <p:cTn id="6" dur="1" fill="hold">
-                                          <p:stCondLst>
-                                            <p:cond delay="0"/>
-                                          </p:stCondLst>
-                                        </p:cTn>
-                                        <p:tgtEl>
-                                          <p:spTgt spid="5"/>
-                                        </p:tgtEl>
-                                        <p:attrNameLst>
-                                          <p:attrName>style.visibility</p:attrName>
-                                        </p:attrNameLst>
-                                      </p:cBhvr>
-                                      <p:to>
-                                        <p:strVal val="visible"/>
-                                      </p:to>
-                                    </p:set>
-                                    <p:animEffect transition="in" filter="fade">
-                                      <p:cBhvr>
-                                        <p:cTn id="7" dur="500"/>
-                                        <p:tgtEl>
-                                          <p:spTgt spid="5"/>
-                                        </p:tgtEl>
-                                      </p:cBhvr>
-                                    </p:animEffect>
-                                  </p:childTnLst>
-                                </p:cTn>
-                              </p:par>
-                            </p:childTnLst>
-                          </p:cTn>
-                        </p:par>
-                      </p:childTnLst>
-                    </p:cTn>
-                  </p:par>
-                </p:childTnLst>
-              </p:cTn>
-              <p:prevCondLst>
-                <p:cond evt="onPrev" delay="0">
-                  <p:tgtEl>
-                    <p:sldTgt/>
-                  </p:tgtEl>
-                </p:cond>
-              </p:prevCondLst>
-              <p:nextCondLst>
-                <p:cond evt="onNext" delay="0">
-                  <p:tgtEl>
-                    <p:sldTgt/>
-                  </p:tgtEl>
-                </p:cond>
-              </p:nextCondLst>
-            </p:seq>
-          </p:childTnLst>
-        </p:cTn>
-      </p:par>
-    </p:tnLst>
   </p:timing>
 </p:sld>
 </file>
@@ -5823,46 +6486,154 @@
           </a:fontRef>
         </p:style>
       </p:cxnSp>
-      <p:pic>
-        <p:nvPicPr>
-          <p:cNvPr id="5" name="Image 4">
+      <p:sp>
+        <p:nvSpPr>
+          <p:cNvPr id="17" name="ZoneTexte 16">
             <a:extLst>
               <a:ext uri="{FF2B5EF4-FFF2-40B4-BE49-F238E27FC236}">
-                <a16:creationId xmlns:a16="http://schemas.microsoft.com/office/drawing/2014/main" id="{B3780057-9DBD-443C-93AE-8765285510E2}"/>
+                <a16:creationId xmlns:a16="http://schemas.microsoft.com/office/drawing/2014/main" id="{EEBCCB60-AA6B-4D33-8987-39D11C25DEF5}"/>
               </a:ext>
             </a:extLst>
           </p:cNvPr>
-          <p:cNvPicPr>
-            <a:picLocks noChangeAspect="1"/>
-          </p:cNvPicPr>
+          <p:cNvSpPr txBox="1"/>
           <p:nvPr/>
-        </p:nvPicPr>
-        <p:blipFill>
-          <a:blip r:embed="rId3">
-            <a:extLst>
-              <a:ext uri="{28A0092B-C50C-407E-A947-70E740481C1C}">
-                <a14:useLocalDpi xmlns:a14="http://schemas.microsoft.com/office/drawing/2010/main" val="0"/>
-              </a:ext>
-            </a:extLst>
-          </a:blip>
-          <a:stretch>
-            <a:fillRect/>
-          </a:stretch>
-        </p:blipFill>
-        <p:spPr>
-          <a:xfrm>
-            <a:off x="896231" y="615821"/>
-            <a:ext cx="10961400" cy="5222298"/>
+        </p:nvSpPr>
+        <p:spPr>
+          <a:xfrm>
+            <a:off x="593244" y="821362"/>
+            <a:ext cx="11280239" cy="4931478"/>
           </a:xfrm>
           <a:prstGeom prst="rect">
             <a:avLst/>
           </a:prstGeom>
-        </p:spPr>
-      </p:pic>
+          <a:noFill/>
+        </p:spPr>
+        <p:txBody>
+          <a:bodyPr wrap="square" rtlCol="0">
+            <a:spAutoFit/>
+          </a:bodyPr>
+          <a:lstStyle/>
+          <a:p>
+            <a:pPr>
+              <a:lnSpc>
+                <a:spcPct val="300000"/>
+              </a:lnSpc>
+            </a:pPr>
+            <a:r>
+              <a:rPr lang="fr-FR" dirty="0"/>
+              <a:t>Blacklist des livres trop vieux</a:t>
+            </a:r>
+          </a:p>
+          <a:p>
+            <a:pPr>
+              <a:lnSpc>
+                <a:spcPct val="300000"/>
+              </a:lnSpc>
+            </a:pPr>
+            <a:r>
+              <a:rPr lang="fr-FR" dirty="0"/>
+              <a:t>Suppression des livres du tableau</a:t>
+            </a:r>
+          </a:p>
+          <a:p>
+            <a:pPr>
+              <a:lnSpc>
+                <a:spcPct val="300000"/>
+              </a:lnSpc>
+            </a:pPr>
+            <a:r>
+              <a:rPr lang="fr-FR" dirty="0"/>
+              <a:t>Connection  avec la DB EPHEC (ID livres)</a:t>
+            </a:r>
+          </a:p>
+          <a:p>
+            <a:pPr>
+              <a:lnSpc>
+                <a:spcPct val="300000"/>
+              </a:lnSpc>
+            </a:pPr>
+            <a:r>
+              <a:rPr lang="fr-FR" dirty="0"/>
+              <a:t>Profile utilisateur (mes offres/demandes)</a:t>
+            </a:r>
+          </a:p>
+          <a:p>
+            <a:pPr>
+              <a:lnSpc>
+                <a:spcPct val="300000"/>
+              </a:lnSpc>
+            </a:pPr>
+            <a:r>
+              <a:rPr lang="fr-FR" dirty="0"/>
+              <a:t>Notification par mail</a:t>
+            </a:r>
+          </a:p>
+          <a:p>
+            <a:pPr>
+              <a:lnSpc>
+                <a:spcPct val="300000"/>
+              </a:lnSpc>
+            </a:pPr>
+            <a:r>
+              <a:rPr lang="fr-FR" dirty="0"/>
+              <a:t>Implémentation </a:t>
+            </a:r>
+            <a:r>
+              <a:rPr lang="fr-FR" dirty="0" err="1"/>
+              <a:t>ePerso</a:t>
+            </a:r>
+            <a:endParaRPr lang="fr-FR" dirty="0"/>
+          </a:p>
+        </p:txBody>
+      </p:sp>
+      <p:sp>
+        <p:nvSpPr>
+          <p:cNvPr id="24" name="Sous-titre 2">
+            <a:extLst>
+              <a:ext uri="{FF2B5EF4-FFF2-40B4-BE49-F238E27FC236}">
+                <a16:creationId xmlns:a16="http://schemas.microsoft.com/office/drawing/2014/main" id="{03239AEB-44AD-439E-8C3A-0215AD8DCBF3}"/>
+              </a:ext>
+            </a:extLst>
+          </p:cNvPr>
+          <p:cNvSpPr>
+            <a:spLocks noGrp="1"/>
+          </p:cNvSpPr>
+          <p:nvPr>
+            <p:ph type="subTitle" idx="1"/>
+          </p:nvPr>
+        </p:nvSpPr>
+        <p:spPr>
+          <a:xfrm>
+            <a:off x="561735" y="306619"/>
+            <a:ext cx="11398616" cy="626069"/>
+          </a:xfrm>
+        </p:spPr>
+        <p:txBody>
+          <a:bodyPr anchor="ctr">
+            <a:normAutofit/>
+          </a:bodyPr>
+          <a:lstStyle/>
+          <a:p>
+            <a:r>
+              <a:rPr lang="fr-FR" sz="3200" b="1" i="1" dirty="0">
+                <a:solidFill>
+                  <a:srgbClr val="F17830"/>
+                </a:solidFill>
+              </a:rPr>
+              <a:t>Améliorations futures</a:t>
+            </a:r>
+            <a:endParaRPr lang="fr-BE" sz="3200" b="1" i="1" dirty="0">
+              <a:solidFill>
+                <a:srgbClr val="F17830"/>
+              </a:solidFill>
+            </a:endParaRPr>
+          </a:p>
+        </p:txBody>
+      </p:sp>
     </p:spTree>
     <p:extLst>
       <p:ext uri="{BB962C8B-B14F-4D97-AF65-F5344CB8AC3E}">
-        <p14:creationId xmlns:p14="http://schemas.microsoft.com/office/powerpoint/2010/main" val="1246832478"/>
+        <p14:creationId xmlns:p14="http://schemas.microsoft.com/office/powerpoint/2010/main" val="3495354867"/>
       </p:ext>
     </p:extLst>
   </p:cSld>
@@ -5893,445 +6664,7 @@
                             </p:stCondLst>
                             <p:childTnLst>
                               <p:par>
-                                <p:cTn id="5" presetID="10" presetClass="entr" presetSubtype="0" fill="hold" nodeType="afterEffect">
-                                  <p:stCondLst>
-                                    <p:cond delay="0"/>
-                                  </p:stCondLst>
-                                  <p:childTnLst>
-                                    <p:set>
-                                      <p:cBhvr>
-                                        <p:cTn id="6" dur="1" fill="hold">
-                                          <p:stCondLst>
-                                            <p:cond delay="0"/>
-                                          </p:stCondLst>
-                                        </p:cTn>
-                                        <p:tgtEl>
-                                          <p:spTgt spid="5"/>
-                                        </p:tgtEl>
-                                        <p:attrNameLst>
-                                          <p:attrName>style.visibility</p:attrName>
-                                        </p:attrNameLst>
-                                      </p:cBhvr>
-                                      <p:to>
-                                        <p:strVal val="visible"/>
-                                      </p:to>
-                                    </p:set>
-                                    <p:animEffect transition="in" filter="fade">
-                                      <p:cBhvr>
-                                        <p:cTn id="7" dur="500"/>
-                                        <p:tgtEl>
-                                          <p:spTgt spid="5"/>
-                                        </p:tgtEl>
-                                      </p:cBhvr>
-                                    </p:animEffect>
-                                  </p:childTnLst>
-                                </p:cTn>
-                              </p:par>
-                            </p:childTnLst>
-                          </p:cTn>
-                        </p:par>
-                      </p:childTnLst>
-                    </p:cTn>
-                  </p:par>
-                </p:childTnLst>
-              </p:cTn>
-              <p:prevCondLst>
-                <p:cond evt="onPrev" delay="0">
-                  <p:tgtEl>
-                    <p:sldTgt/>
-                  </p:tgtEl>
-                </p:cond>
-              </p:prevCondLst>
-              <p:nextCondLst>
-                <p:cond evt="onNext" delay="0">
-                  <p:tgtEl>
-                    <p:sldTgt/>
-                  </p:tgtEl>
-                </p:cond>
-              </p:nextCondLst>
-            </p:seq>
-          </p:childTnLst>
-        </p:cTn>
-      </p:par>
-    </p:tnLst>
-  </p:timing>
-</p:sld>
-</file>
-
-<file path=ppt/slides/slide5.xml><?xml version="1.0" encoding="utf-8"?>
-<p:sld xmlns:a="http://schemas.openxmlformats.org/drawingml/2006/main" xmlns:r="http://schemas.openxmlformats.org/officeDocument/2006/relationships" xmlns:p="http://schemas.openxmlformats.org/presentationml/2006/main">
-  <p:cSld>
-    <p:bg>
-      <p:bgPr>
-        <a:solidFill>
-          <a:schemeClr val="bg1">
-            <a:tint val="90000"/>
-            <a:shade val="97000"/>
-            <a:satMod val="130000"/>
-          </a:schemeClr>
-        </a:solidFill>
-        <a:effectLst/>
-      </p:bgPr>
-    </p:bg>
-    <p:spTree>
-      <p:nvGrpSpPr>
-        <p:cNvPr id="1" name=""/>
-        <p:cNvGrpSpPr/>
-        <p:nvPr/>
-      </p:nvGrpSpPr>
-      <p:grpSpPr>
-        <a:xfrm>
-          <a:off x="0" y="0"/>
-          <a:ext cx="0" cy="0"/>
-          <a:chOff x="0" y="0"/>
-          <a:chExt cx="0" cy="0"/>
-        </a:xfrm>
-      </p:grpSpPr>
-      <p:sp useBgFill="1">
-        <p:nvSpPr>
-          <p:cNvPr id="8" name="Rectangle 7">
-            <a:extLst>
-              <a:ext uri="{FF2B5EF4-FFF2-40B4-BE49-F238E27FC236}">
-                <a16:creationId xmlns:a16="http://schemas.microsoft.com/office/drawing/2014/main" id="{8C6E698C-8155-4B8B-BDC9-B7299772B509}"/>
-              </a:ext>
-              <a:ext uri="{C183D7F6-B498-43B3-948B-1728B52AA6E4}">
-                <adec:decorative xmlns:adec="http://schemas.microsoft.com/office/drawing/2017/decorative" val="1"/>
-              </a:ext>
-            </a:extLst>
-          </p:cNvPr>
-          <p:cNvSpPr>
-            <a:spLocks noGrp="1" noRot="1" noChangeAspect="1" noMove="1" noResize="1" noEditPoints="1" noAdjustHandles="1" noChangeArrowheads="1" noChangeShapeType="1" noTextEdit="1"/>
-          </p:cNvSpPr>
-          <p:nvPr>
-            <p:extLst>
-              <p:ext uri="{386F3935-93C4-4BCD-93E2-E3B085C9AB24}">
-                <p16:designElem xmlns:p16="http://schemas.microsoft.com/office/powerpoint/2015/main" val="1"/>
-              </p:ext>
-            </p:extLst>
-          </p:nvPr>
-        </p:nvSpPr>
-        <p:spPr>
-          <a:xfrm>
-            <a:off x="3175" y="0"/>
-            <a:ext cx="12188952" cy="6858000"/>
-          </a:xfrm>
-          <a:prstGeom prst="rect">
-            <a:avLst/>
-          </a:prstGeom>
-          <a:ln>
-            <a:noFill/>
-          </a:ln>
-        </p:spPr>
-        <p:style>
-          <a:lnRef idx="2">
-            <a:schemeClr val="accent1">
-              <a:shade val="50000"/>
-            </a:schemeClr>
-          </a:lnRef>
-          <a:fillRef idx="1">
-            <a:schemeClr val="accent1"/>
-          </a:fillRef>
-          <a:effectRef idx="0">
-            <a:schemeClr val="accent1"/>
-          </a:effectRef>
-          <a:fontRef idx="minor">
-            <a:schemeClr val="lt1"/>
-          </a:fontRef>
-        </p:style>
-        <p:txBody>
-          <a:bodyPr rtlCol="0" anchor="ctr"/>
-          <a:lstStyle/>
-          <a:p>
-            <a:pPr algn="ctr"/>
-            <a:endParaRPr lang="en-US"/>
-          </a:p>
-        </p:txBody>
-      </p:sp>
-      <p:sp>
-        <p:nvSpPr>
-          <p:cNvPr id="12" name="Rectangle 11">
-            <a:extLst>
-              <a:ext uri="{FF2B5EF4-FFF2-40B4-BE49-F238E27FC236}">
-                <a16:creationId xmlns:a16="http://schemas.microsoft.com/office/drawing/2014/main" id="{A05250E5-90D0-4E41-B9BD-FF661DE54040}"/>
-              </a:ext>
-              <a:ext uri="{C183D7F6-B498-43B3-948B-1728B52AA6E4}">
-                <adec:decorative xmlns:adec="http://schemas.microsoft.com/office/drawing/2017/decorative" val="1"/>
-              </a:ext>
-            </a:extLst>
-          </p:cNvPr>
-          <p:cNvSpPr>
-            <a:spLocks noGrp="1" noRot="1" noChangeAspect="1" noMove="1" noResize="1" noEditPoints="1" noAdjustHandles="1" noChangeArrowheads="1" noChangeShapeType="1" noTextEdit="1"/>
-          </p:cNvSpPr>
-          <p:nvPr>
-            <p:extLst>
-              <p:ext uri="{386F3935-93C4-4BCD-93E2-E3B085C9AB24}">
-                <p16:designElem xmlns:p16="http://schemas.microsoft.com/office/powerpoint/2015/main" val="1"/>
-              </p:ext>
-            </p:extLst>
-          </p:nvPr>
-        </p:nvSpPr>
-        <p:spPr>
-          <a:xfrm>
-            <a:off x="3175" y="6336792"/>
-            <a:ext cx="12188825" cy="521208"/>
-          </a:xfrm>
-          <a:prstGeom prst="rect">
-            <a:avLst/>
-          </a:prstGeom>
-          <a:solidFill>
-            <a:schemeClr val="bg1">
-              <a:lumMod val="75000"/>
-              <a:lumOff val="25000"/>
-            </a:schemeClr>
-          </a:solidFill>
-          <a:ln>
-            <a:noFill/>
-          </a:ln>
-        </p:spPr>
-        <p:style>
-          <a:lnRef idx="2">
-            <a:schemeClr val="accent1">
-              <a:shade val="50000"/>
-            </a:schemeClr>
-          </a:lnRef>
-          <a:fillRef idx="1">
-            <a:schemeClr val="accent1"/>
-          </a:fillRef>
-          <a:effectRef idx="0">
-            <a:schemeClr val="accent1"/>
-          </a:effectRef>
-          <a:fontRef idx="minor">
-            <a:schemeClr val="lt1"/>
-          </a:fontRef>
-        </p:style>
-      </p:sp>
-      <p:pic>
-        <p:nvPicPr>
-          <p:cNvPr id="18" name="Image 17">
-            <a:extLst>
-              <a:ext uri="{FF2B5EF4-FFF2-40B4-BE49-F238E27FC236}">
-                <a16:creationId xmlns:a16="http://schemas.microsoft.com/office/drawing/2014/main" id="{4FC54411-381D-4B4B-82FC-6AECB1D7C6A1}"/>
-              </a:ext>
-            </a:extLst>
-          </p:cNvPr>
-          <p:cNvPicPr>
-            <a:picLocks noChangeAspect="1"/>
-          </p:cNvPicPr>
-          <p:nvPr/>
-        </p:nvPicPr>
-        <p:blipFill>
-          <a:blip r:embed="rId2">
-            <a:alphaModFix amt="5000"/>
-            <a:extLst>
-              <a:ext uri="{28A0092B-C50C-407E-A947-70E740481C1C}">
-                <a14:useLocalDpi xmlns:a14="http://schemas.microsoft.com/office/drawing/2010/main" val="0"/>
-              </a:ext>
-            </a:extLst>
-          </a:blip>
-          <a:stretch>
-            <a:fillRect/>
-          </a:stretch>
-        </p:blipFill>
-        <p:spPr>
-          <a:xfrm>
-            <a:off x="2604951" y="332023"/>
-            <a:ext cx="6982097" cy="5910156"/>
-          </a:xfrm>
-          <a:prstGeom prst="rect">
-            <a:avLst/>
-          </a:prstGeom>
-        </p:spPr>
-      </p:pic>
-      <p:cxnSp>
-        <p:nvCxnSpPr>
-          <p:cNvPr id="11" name="Connecteur droit 10">
-            <a:extLst>
-              <a:ext uri="{FF2B5EF4-FFF2-40B4-BE49-F238E27FC236}">
-                <a16:creationId xmlns:a16="http://schemas.microsoft.com/office/drawing/2014/main" id="{2B024206-EA94-4FE0-AD96-A43307436E7C}"/>
-              </a:ext>
-            </a:extLst>
-          </p:cNvPr>
-          <p:cNvCxnSpPr>
-            <a:cxnSpLocks/>
-          </p:cNvCxnSpPr>
-          <p:nvPr/>
-        </p:nvCxnSpPr>
-        <p:spPr>
-          <a:xfrm>
-            <a:off x="561735" y="298580"/>
-            <a:ext cx="0" cy="5780314"/>
-          </a:xfrm>
-          <a:prstGeom prst="line">
-            <a:avLst/>
-          </a:prstGeom>
-          <a:ln w="28575">
-            <a:solidFill>
-              <a:srgbClr val="BD582C"/>
-            </a:solidFill>
-          </a:ln>
-        </p:spPr>
-        <p:style>
-          <a:lnRef idx="1">
-            <a:schemeClr val="accent1"/>
-          </a:lnRef>
-          <a:fillRef idx="0">
-            <a:schemeClr val="accent1"/>
-          </a:fillRef>
-          <a:effectRef idx="0">
-            <a:schemeClr val="accent1"/>
-          </a:effectRef>
-          <a:fontRef idx="minor">
-            <a:schemeClr val="tx1"/>
-          </a:fontRef>
-        </p:style>
-      </p:cxnSp>
-      <p:sp>
-        <p:nvSpPr>
-          <p:cNvPr id="17" name="ZoneTexte 16">
-            <a:extLst>
-              <a:ext uri="{FF2B5EF4-FFF2-40B4-BE49-F238E27FC236}">
-                <a16:creationId xmlns:a16="http://schemas.microsoft.com/office/drawing/2014/main" id="{EEBCCB60-AA6B-4D33-8987-39D11C25DEF5}"/>
-              </a:ext>
-            </a:extLst>
-          </p:cNvPr>
-          <p:cNvSpPr txBox="1"/>
-          <p:nvPr/>
-        </p:nvSpPr>
-        <p:spPr>
-          <a:xfrm>
-            <a:off x="561735" y="958092"/>
-            <a:ext cx="11311750" cy="2031325"/>
-          </a:xfrm>
-          <a:prstGeom prst="rect">
-            <a:avLst/>
-          </a:prstGeom>
-          <a:noFill/>
-        </p:spPr>
-        <p:txBody>
-          <a:bodyPr wrap="square" rtlCol="0">
-            <a:spAutoFit/>
-          </a:bodyPr>
-          <a:lstStyle/>
-          <a:p>
-            <a:r>
-              <a:rPr lang="fr-FR" dirty="0"/>
-              <a:t>Z</a:t>
-            </a:r>
-          </a:p>
-          <a:p>
-            <a:r>
-              <a:rPr lang="fr-FR" dirty="0"/>
-              <a:t>Z</a:t>
-            </a:r>
-          </a:p>
-          <a:p>
-            <a:r>
-              <a:rPr lang="fr-FR" dirty="0"/>
-              <a:t>Z</a:t>
-            </a:r>
-          </a:p>
-          <a:p>
-            <a:r>
-              <a:rPr lang="fr-FR" dirty="0"/>
-              <a:t>Z</a:t>
-            </a:r>
-          </a:p>
-          <a:p>
-            <a:r>
-              <a:rPr lang="fr-FR" dirty="0"/>
-              <a:t>Z</a:t>
-            </a:r>
-          </a:p>
-          <a:p>
-            <a:r>
-              <a:rPr lang="fr-FR" dirty="0"/>
-              <a:t>Z</a:t>
-            </a:r>
-          </a:p>
-          <a:p>
-            <a:r>
-              <a:rPr lang="fr-FR" dirty="0"/>
-              <a:t>z</a:t>
-            </a:r>
-          </a:p>
-        </p:txBody>
-      </p:sp>
-      <p:sp>
-        <p:nvSpPr>
-          <p:cNvPr id="24" name="Sous-titre 2">
-            <a:extLst>
-              <a:ext uri="{FF2B5EF4-FFF2-40B4-BE49-F238E27FC236}">
-                <a16:creationId xmlns:a16="http://schemas.microsoft.com/office/drawing/2014/main" id="{03239AEB-44AD-439E-8C3A-0215AD8DCBF3}"/>
-              </a:ext>
-            </a:extLst>
-          </p:cNvPr>
-          <p:cNvSpPr>
-            <a:spLocks noGrp="1"/>
-          </p:cNvSpPr>
-          <p:nvPr>
-            <p:ph type="subTitle" idx="1"/>
-          </p:nvPr>
-        </p:nvSpPr>
-        <p:spPr>
-          <a:xfrm>
-            <a:off x="561735" y="306619"/>
-            <a:ext cx="11398616" cy="626069"/>
-          </a:xfrm>
-        </p:spPr>
-        <p:txBody>
-          <a:bodyPr anchor="ctr">
-            <a:normAutofit/>
-          </a:bodyPr>
-          <a:lstStyle/>
-          <a:p>
-            <a:r>
-              <a:rPr lang="fr-FR" sz="3200" b="1" i="1" dirty="0">
-                <a:solidFill>
-                  <a:srgbClr val="F17830"/>
-                </a:solidFill>
-              </a:rPr>
-              <a:t>Améliorations futures</a:t>
-            </a:r>
-            <a:endParaRPr lang="fr-BE" sz="3200" b="1" i="1" dirty="0">
-              <a:solidFill>
-                <a:srgbClr val="F17830"/>
-              </a:solidFill>
-            </a:endParaRPr>
-          </a:p>
-        </p:txBody>
-      </p:sp>
-    </p:spTree>
-    <p:extLst>
-      <p:ext uri="{BB962C8B-B14F-4D97-AF65-F5344CB8AC3E}">
-        <p14:creationId xmlns:p14="http://schemas.microsoft.com/office/powerpoint/2010/main" val="3495354867"/>
-      </p:ext>
-    </p:extLst>
-  </p:cSld>
-  <p:clrMapOvr>
-    <a:overrideClrMapping bg1="dk1" tx1="lt1" bg2="dk2" tx2="lt2" accent1="accent1" accent2="accent2" accent3="accent3" accent4="accent4" accent5="accent5" accent6="accent6" hlink="hlink" folHlink="folHlink"/>
-  </p:clrMapOvr>
-  <p:timing>
-    <p:tnLst>
-      <p:par>
-        <p:cTn id="1" dur="indefinite" restart="never" nodeType="tmRoot">
-          <p:childTnLst>
-            <p:seq concurrent="1" nextAc="seek">
-              <p:cTn id="2" dur="indefinite" nodeType="mainSeq">
-                <p:childTnLst>
-                  <p:par>
-                    <p:cTn id="3" fill="hold">
-                      <p:stCondLst>
-                        <p:cond delay="indefinite"/>
-                      </p:stCondLst>
-                      <p:childTnLst>
-                        <p:par>
-                          <p:cTn id="4" fill="hold">
-                            <p:stCondLst>
-                              <p:cond delay="0"/>
-                            </p:stCondLst>
-                            <p:childTnLst>
-                              <p:par>
-                                <p:cTn id="5" presetID="22" presetClass="entr" presetSubtype="2" fill="hold" grpId="1" nodeType="clickEffect">
+                                <p:cTn id="5" presetID="22" presetClass="entr" presetSubtype="2" fill="hold" grpId="1" nodeType="afterEffect">
                                   <p:stCondLst>
                                     <p:cond delay="0"/>
                                   </p:stCondLst>
@@ -6472,6 +6805,502 @@
     </p:tnLst>
     <p:bldLst>
       <p:bldP spid="17" grpId="0"/>
+      <p:bldP spid="24" grpId="0" build="p"/>
+      <p:bldP spid="24" grpId="1" build="p"/>
+    </p:bldLst>
+  </p:timing>
+</p:sld>
+</file>
+
+<file path=ppt/slides/slide5.xml><?xml version="1.0" encoding="utf-8"?>
+<p:sld xmlns:a="http://schemas.openxmlformats.org/drawingml/2006/main" xmlns:r="http://schemas.openxmlformats.org/officeDocument/2006/relationships" xmlns:p="http://schemas.openxmlformats.org/presentationml/2006/main">
+  <p:cSld>
+    <p:bg>
+      <p:bgPr>
+        <a:solidFill>
+          <a:schemeClr val="bg1">
+            <a:tint val="90000"/>
+            <a:shade val="97000"/>
+            <a:satMod val="130000"/>
+          </a:schemeClr>
+        </a:solidFill>
+        <a:effectLst/>
+      </p:bgPr>
+    </p:bg>
+    <p:spTree>
+      <p:nvGrpSpPr>
+        <p:cNvPr id="1" name=""/>
+        <p:cNvGrpSpPr/>
+        <p:nvPr/>
+      </p:nvGrpSpPr>
+      <p:grpSpPr>
+        <a:xfrm>
+          <a:off x="0" y="0"/>
+          <a:ext cx="0" cy="0"/>
+          <a:chOff x="0" y="0"/>
+          <a:chExt cx="0" cy="0"/>
+        </a:xfrm>
+      </p:grpSpPr>
+      <p:sp useBgFill="1">
+        <p:nvSpPr>
+          <p:cNvPr id="8" name="Rectangle 7">
+            <a:extLst>
+              <a:ext uri="{FF2B5EF4-FFF2-40B4-BE49-F238E27FC236}">
+                <a16:creationId xmlns:a16="http://schemas.microsoft.com/office/drawing/2014/main" id="{8C6E698C-8155-4B8B-BDC9-B7299772B509}"/>
+              </a:ext>
+              <a:ext uri="{C183D7F6-B498-43B3-948B-1728B52AA6E4}">
+                <adec:decorative xmlns:adec="http://schemas.microsoft.com/office/drawing/2017/decorative" val="1"/>
+              </a:ext>
+            </a:extLst>
+          </p:cNvPr>
+          <p:cNvSpPr>
+            <a:spLocks noGrp="1" noRot="1" noChangeAspect="1" noMove="1" noResize="1" noEditPoints="1" noAdjustHandles="1" noChangeArrowheads="1" noChangeShapeType="1" noTextEdit="1"/>
+          </p:cNvSpPr>
+          <p:nvPr>
+            <p:extLst>
+              <p:ext uri="{386F3935-93C4-4BCD-93E2-E3B085C9AB24}">
+                <p16:designElem xmlns:p16="http://schemas.microsoft.com/office/powerpoint/2015/main" val="1"/>
+              </p:ext>
+            </p:extLst>
+          </p:nvPr>
+        </p:nvSpPr>
+        <p:spPr>
+          <a:xfrm>
+            <a:off x="3175" y="0"/>
+            <a:ext cx="12188952" cy="6858000"/>
+          </a:xfrm>
+          <a:prstGeom prst="rect">
+            <a:avLst/>
+          </a:prstGeom>
+          <a:ln>
+            <a:noFill/>
+          </a:ln>
+        </p:spPr>
+        <p:style>
+          <a:lnRef idx="2">
+            <a:schemeClr val="accent1">
+              <a:shade val="50000"/>
+            </a:schemeClr>
+          </a:lnRef>
+          <a:fillRef idx="1">
+            <a:schemeClr val="accent1"/>
+          </a:fillRef>
+          <a:effectRef idx="0">
+            <a:schemeClr val="accent1"/>
+          </a:effectRef>
+          <a:fontRef idx="minor">
+            <a:schemeClr val="lt1"/>
+          </a:fontRef>
+        </p:style>
+        <p:txBody>
+          <a:bodyPr rtlCol="0" anchor="ctr"/>
+          <a:lstStyle/>
+          <a:p>
+            <a:pPr algn="ctr"/>
+            <a:endParaRPr lang="en-US"/>
+          </a:p>
+        </p:txBody>
+      </p:sp>
+      <p:sp>
+        <p:nvSpPr>
+          <p:cNvPr id="12" name="Rectangle 11">
+            <a:extLst>
+              <a:ext uri="{FF2B5EF4-FFF2-40B4-BE49-F238E27FC236}">
+                <a16:creationId xmlns:a16="http://schemas.microsoft.com/office/drawing/2014/main" id="{A05250E5-90D0-4E41-B9BD-FF661DE54040}"/>
+              </a:ext>
+              <a:ext uri="{C183D7F6-B498-43B3-948B-1728B52AA6E4}">
+                <adec:decorative xmlns:adec="http://schemas.microsoft.com/office/drawing/2017/decorative" val="1"/>
+              </a:ext>
+            </a:extLst>
+          </p:cNvPr>
+          <p:cNvSpPr>
+            <a:spLocks noGrp="1" noRot="1" noChangeAspect="1" noMove="1" noResize="1" noEditPoints="1" noAdjustHandles="1" noChangeArrowheads="1" noChangeShapeType="1" noTextEdit="1"/>
+          </p:cNvSpPr>
+          <p:nvPr>
+            <p:extLst>
+              <p:ext uri="{386F3935-93C4-4BCD-93E2-E3B085C9AB24}">
+                <p16:designElem xmlns:p16="http://schemas.microsoft.com/office/powerpoint/2015/main" val="1"/>
+              </p:ext>
+            </p:extLst>
+          </p:nvPr>
+        </p:nvSpPr>
+        <p:spPr>
+          <a:xfrm>
+            <a:off x="3175" y="6336792"/>
+            <a:ext cx="12188825" cy="521208"/>
+          </a:xfrm>
+          <a:prstGeom prst="rect">
+            <a:avLst/>
+          </a:prstGeom>
+          <a:solidFill>
+            <a:schemeClr val="bg1">
+              <a:lumMod val="75000"/>
+              <a:lumOff val="25000"/>
+            </a:schemeClr>
+          </a:solidFill>
+          <a:ln>
+            <a:noFill/>
+          </a:ln>
+        </p:spPr>
+        <p:style>
+          <a:lnRef idx="2">
+            <a:schemeClr val="accent1">
+              <a:shade val="50000"/>
+            </a:schemeClr>
+          </a:lnRef>
+          <a:fillRef idx="1">
+            <a:schemeClr val="accent1"/>
+          </a:fillRef>
+          <a:effectRef idx="0">
+            <a:schemeClr val="accent1"/>
+          </a:effectRef>
+          <a:fontRef idx="minor">
+            <a:schemeClr val="lt1"/>
+          </a:fontRef>
+        </p:style>
+      </p:sp>
+      <p:pic>
+        <p:nvPicPr>
+          <p:cNvPr id="18" name="Image 17">
+            <a:extLst>
+              <a:ext uri="{FF2B5EF4-FFF2-40B4-BE49-F238E27FC236}">
+                <a16:creationId xmlns:a16="http://schemas.microsoft.com/office/drawing/2014/main" id="{4FC54411-381D-4B4B-82FC-6AECB1D7C6A1}"/>
+              </a:ext>
+            </a:extLst>
+          </p:cNvPr>
+          <p:cNvPicPr>
+            <a:picLocks noChangeAspect="1"/>
+          </p:cNvPicPr>
+          <p:nvPr/>
+        </p:nvPicPr>
+        <p:blipFill>
+          <a:blip r:embed="rId2">
+            <a:alphaModFix amt="5000"/>
+            <a:extLst>
+              <a:ext uri="{28A0092B-C50C-407E-A947-70E740481C1C}">
+                <a14:useLocalDpi xmlns:a14="http://schemas.microsoft.com/office/drawing/2010/main" val="0"/>
+              </a:ext>
+            </a:extLst>
+          </a:blip>
+          <a:stretch>
+            <a:fillRect/>
+          </a:stretch>
+        </p:blipFill>
+        <p:spPr>
+          <a:xfrm>
+            <a:off x="2604951" y="332023"/>
+            <a:ext cx="6982097" cy="5910156"/>
+          </a:xfrm>
+          <a:prstGeom prst="rect">
+            <a:avLst/>
+          </a:prstGeom>
+        </p:spPr>
+      </p:pic>
+      <p:cxnSp>
+        <p:nvCxnSpPr>
+          <p:cNvPr id="11" name="Connecteur droit 10">
+            <a:extLst>
+              <a:ext uri="{FF2B5EF4-FFF2-40B4-BE49-F238E27FC236}">
+                <a16:creationId xmlns:a16="http://schemas.microsoft.com/office/drawing/2014/main" id="{2B024206-EA94-4FE0-AD96-A43307436E7C}"/>
+              </a:ext>
+            </a:extLst>
+          </p:cNvPr>
+          <p:cNvCxnSpPr>
+            <a:cxnSpLocks/>
+          </p:cNvCxnSpPr>
+          <p:nvPr/>
+        </p:nvCxnSpPr>
+        <p:spPr>
+          <a:xfrm>
+            <a:off x="561735" y="298580"/>
+            <a:ext cx="0" cy="5780314"/>
+          </a:xfrm>
+          <a:prstGeom prst="line">
+            <a:avLst/>
+          </a:prstGeom>
+          <a:ln w="28575">
+            <a:solidFill>
+              <a:srgbClr val="BD582C"/>
+            </a:solidFill>
+          </a:ln>
+        </p:spPr>
+        <p:style>
+          <a:lnRef idx="1">
+            <a:schemeClr val="accent1"/>
+          </a:lnRef>
+          <a:fillRef idx="0">
+            <a:schemeClr val="accent1"/>
+          </a:fillRef>
+          <a:effectRef idx="0">
+            <a:schemeClr val="accent1"/>
+          </a:effectRef>
+          <a:fontRef idx="minor">
+            <a:schemeClr val="tx1"/>
+          </a:fontRef>
+        </p:style>
+      </p:cxnSp>
+      <p:sp>
+        <p:nvSpPr>
+          <p:cNvPr id="24" name="Sous-titre 2">
+            <a:extLst>
+              <a:ext uri="{FF2B5EF4-FFF2-40B4-BE49-F238E27FC236}">
+                <a16:creationId xmlns:a16="http://schemas.microsoft.com/office/drawing/2014/main" id="{03239AEB-44AD-439E-8C3A-0215AD8DCBF3}"/>
+              </a:ext>
+            </a:extLst>
+          </p:cNvPr>
+          <p:cNvSpPr>
+            <a:spLocks noGrp="1"/>
+          </p:cNvSpPr>
+          <p:nvPr>
+            <p:ph type="subTitle" idx="1"/>
+          </p:nvPr>
+        </p:nvSpPr>
+        <p:spPr>
+          <a:xfrm>
+            <a:off x="561735" y="306619"/>
+            <a:ext cx="11398616" cy="626069"/>
+          </a:xfrm>
+        </p:spPr>
+        <p:txBody>
+          <a:bodyPr anchor="ctr">
+            <a:normAutofit/>
+          </a:bodyPr>
+          <a:lstStyle/>
+          <a:p>
+            <a:r>
+              <a:rPr lang="fr-FR" sz="3200" b="1" i="1" dirty="0">
+                <a:solidFill>
+                  <a:srgbClr val="F17830"/>
+                </a:solidFill>
+              </a:rPr>
+              <a:t>Implémentation </a:t>
+            </a:r>
+            <a:r>
+              <a:rPr lang="fr-FR" sz="3200" b="1" i="1" dirty="0" err="1">
+                <a:solidFill>
+                  <a:srgbClr val="F17830"/>
+                </a:solidFill>
+              </a:rPr>
+              <a:t>eperso</a:t>
+            </a:r>
+            <a:endParaRPr lang="fr-BE" sz="3200" b="1" i="1" dirty="0">
+              <a:solidFill>
+                <a:srgbClr val="F17830"/>
+              </a:solidFill>
+            </a:endParaRPr>
+          </a:p>
+        </p:txBody>
+      </p:sp>
+      <p:pic>
+        <p:nvPicPr>
+          <p:cNvPr id="9" name="Image 8">
+            <a:extLst>
+              <a:ext uri="{FF2B5EF4-FFF2-40B4-BE49-F238E27FC236}">
+                <a16:creationId xmlns:a16="http://schemas.microsoft.com/office/drawing/2014/main" id="{103D6F08-90D6-4659-8B70-78F932136B36}"/>
+              </a:ext>
+            </a:extLst>
+          </p:cNvPr>
+          <p:cNvPicPr>
+            <a:picLocks noChangeAspect="1"/>
+          </p:cNvPicPr>
+          <p:nvPr/>
+        </p:nvPicPr>
+        <p:blipFill>
+          <a:blip r:embed="rId3">
+            <a:extLst>
+              <a:ext uri="{28A0092B-C50C-407E-A947-70E740481C1C}">
+                <a14:useLocalDpi xmlns:a14="http://schemas.microsoft.com/office/drawing/2010/main" val="0"/>
+              </a:ext>
+            </a:extLst>
+          </a:blip>
+          <a:stretch>
+            <a:fillRect/>
+          </a:stretch>
+        </p:blipFill>
+        <p:spPr>
+          <a:xfrm>
+            <a:off x="780343" y="894642"/>
+            <a:ext cx="10961400" cy="5222298"/>
+          </a:xfrm>
+          <a:prstGeom prst="rect">
+            <a:avLst/>
+          </a:prstGeom>
+        </p:spPr>
+      </p:pic>
+    </p:spTree>
+    <p:extLst>
+      <p:ext uri="{BB962C8B-B14F-4D97-AF65-F5344CB8AC3E}">
+        <p14:creationId xmlns:p14="http://schemas.microsoft.com/office/powerpoint/2010/main" val="3484284596"/>
+      </p:ext>
+    </p:extLst>
+  </p:cSld>
+  <p:clrMapOvr>
+    <a:overrideClrMapping bg1="dk1" tx1="lt1" bg2="dk2" tx2="lt2" accent1="accent1" accent2="accent2" accent3="accent3" accent4="accent4" accent5="accent5" accent6="accent6" hlink="hlink" folHlink="folHlink"/>
+  </p:clrMapOvr>
+  <p:timing>
+    <p:tnLst>
+      <p:par>
+        <p:cTn id="1" dur="indefinite" restart="never" nodeType="tmRoot">
+          <p:childTnLst>
+            <p:seq concurrent="1" nextAc="seek">
+              <p:cTn id="2" dur="indefinite" nodeType="mainSeq">
+                <p:childTnLst>
+                  <p:par>
+                    <p:cTn id="3" fill="hold">
+                      <p:stCondLst>
+                        <p:cond delay="indefinite"/>
+                        <p:cond evt="onBegin" delay="0">
+                          <p:tn val="2"/>
+                        </p:cond>
+                      </p:stCondLst>
+                      <p:childTnLst>
+                        <p:par>
+                          <p:cTn id="4" fill="hold">
+                            <p:stCondLst>
+                              <p:cond delay="0"/>
+                            </p:stCondLst>
+                            <p:childTnLst>
+                              <p:par>
+                                <p:cTn id="5" presetID="22" presetClass="entr" presetSubtype="2" fill="hold" grpId="1" nodeType="afterEffect">
+                                  <p:stCondLst>
+                                    <p:cond delay="0"/>
+                                  </p:stCondLst>
+                                  <p:childTnLst>
+                                    <p:set>
+                                      <p:cBhvr>
+                                        <p:cTn id="6" dur="1" fill="hold">
+                                          <p:stCondLst>
+                                            <p:cond delay="0"/>
+                                          </p:stCondLst>
+                                        </p:cTn>
+                                        <p:tgtEl>
+                                          <p:spTgt spid="24">
+                                            <p:txEl>
+                                              <p:pRg st="0" end="0"/>
+                                            </p:txEl>
+                                          </p:spTgt>
+                                        </p:tgtEl>
+                                        <p:attrNameLst>
+                                          <p:attrName>style.visibility</p:attrName>
+                                        </p:attrNameLst>
+                                      </p:cBhvr>
+                                      <p:to>
+                                        <p:strVal val="visible"/>
+                                      </p:to>
+                                    </p:set>
+                                    <p:animEffect transition="in" filter="wipe(right)">
+                                      <p:cBhvr>
+                                        <p:cTn id="7" dur="1000"/>
+                                        <p:tgtEl>
+                                          <p:spTgt spid="24">
+                                            <p:txEl>
+                                              <p:pRg st="0" end="0"/>
+                                            </p:txEl>
+                                          </p:spTgt>
+                                        </p:tgtEl>
+                                      </p:cBhvr>
+                                    </p:animEffect>
+                                  </p:childTnLst>
+                                </p:cTn>
+                              </p:par>
+                              <p:par>
+                                <p:cTn id="8" presetID="63" presetClass="path" presetSubtype="0" accel="50000" decel="50000" fill="hold" grpId="0" nodeType="withEffect">
+                                  <p:stCondLst>
+                                    <p:cond delay="0"/>
+                                  </p:stCondLst>
+                                  <p:childTnLst>
+                                    <p:animMotion origin="layout" path="M -0.20547 0.00116 L 1.45833E-6 2.22222E-6 " pathEditMode="relative" rAng="0" ptsTypes="AA">
+                                      <p:cBhvr>
+                                        <p:cTn id="9" dur="1000" fill="hold"/>
+                                        <p:tgtEl>
+                                          <p:spTgt spid="24">
+                                            <p:txEl>
+                                              <p:pRg st="0" end="0"/>
+                                            </p:txEl>
+                                          </p:spTgt>
+                                        </p:tgtEl>
+                                        <p:attrNameLst>
+                                          <p:attrName>ppt_x</p:attrName>
+                                          <p:attrName>ppt_y</p:attrName>
+                                        </p:attrNameLst>
+                                      </p:cBhvr>
+                                      <p:rCtr x="10273" y="-69"/>
+                                    </p:animMotion>
+                                  </p:childTnLst>
+                                </p:cTn>
+                              </p:par>
+                            </p:childTnLst>
+                          </p:cTn>
+                        </p:par>
+                        <p:par>
+                          <p:cTn id="10" fill="hold">
+                            <p:stCondLst>
+                              <p:cond delay="1000"/>
+                            </p:stCondLst>
+                            <p:childTnLst>
+                              <p:par>
+                                <p:cTn id="11" presetID="10" presetClass="entr" presetSubtype="0" fill="hold" nodeType="afterEffect">
+                                  <p:stCondLst>
+                                    <p:cond delay="0"/>
+                                  </p:stCondLst>
+                                  <p:childTnLst>
+                                    <p:set>
+                                      <p:cBhvr>
+                                        <p:cTn id="12" dur="1" fill="hold">
+                                          <p:stCondLst>
+                                            <p:cond delay="0"/>
+                                          </p:stCondLst>
+                                        </p:cTn>
+                                        <p:tgtEl>
+                                          <p:spTgt spid="9"/>
+                                        </p:tgtEl>
+                                        <p:attrNameLst>
+                                          <p:attrName>style.visibility</p:attrName>
+                                        </p:attrNameLst>
+                                      </p:cBhvr>
+                                      <p:to>
+                                        <p:strVal val="visible"/>
+                                      </p:to>
+                                    </p:set>
+                                    <p:animEffect transition="in" filter="fade">
+                                      <p:cBhvr>
+                                        <p:cTn id="13" dur="500"/>
+                                        <p:tgtEl>
+                                          <p:spTgt spid="9"/>
+                                        </p:tgtEl>
+                                      </p:cBhvr>
+                                    </p:animEffect>
+                                  </p:childTnLst>
+                                </p:cTn>
+                              </p:par>
+                            </p:childTnLst>
+                          </p:cTn>
+                        </p:par>
+                      </p:childTnLst>
+                    </p:cTn>
+                  </p:par>
+                </p:childTnLst>
+              </p:cTn>
+              <p:prevCondLst>
+                <p:cond evt="onPrev" delay="0">
+                  <p:tgtEl>
+                    <p:sldTgt/>
+                  </p:tgtEl>
+                </p:cond>
+              </p:prevCondLst>
+              <p:nextCondLst>
+                <p:cond evt="onNext" delay="0">
+                  <p:tgtEl>
+                    <p:sldTgt/>
+                  </p:tgtEl>
+                </p:cond>
+              </p:nextCondLst>
+            </p:seq>
+          </p:childTnLst>
+        </p:cTn>
+      </p:par>
+    </p:tnLst>
+    <p:bldLst>
       <p:bldP spid="24" grpId="0" build="p"/>
       <p:bldP spid="24" grpId="1" build="p"/>
     </p:bldLst>

--- a/presentation.pptx
+++ b/presentation.pptx
@@ -4,6 +4,9 @@
   <p:sldMasterIdLst>
     <p:sldMasterId id="2147483831" r:id="rId1"/>
   </p:sldMasterIdLst>
+  <p:notesMasterIdLst>
+    <p:notesMasterId r:id="rId7"/>
+  </p:notesMasterIdLst>
   <p:sldIdLst>
     <p:sldId id="256" r:id="rId2"/>
     <p:sldId id="262" r:id="rId3"/>
@@ -619,7 +622,469 @@
       </pc:sldMasterChg>
     </pc:docChg>
   </pc:docChgLst>
+  <pc:docChgLst>
+    <pc:chgData name="WONE Alassane" userId="6ee3d247-377a-4c08-9aaf-14f146a8a423" providerId="ADAL" clId="{EFD6B2E2-7E1A-440D-BC5A-B4D830B15713}"/>
+    <pc:docChg chg="undo custSel modSld">
+      <pc:chgData name="WONE Alassane" userId="6ee3d247-377a-4c08-9aaf-14f146a8a423" providerId="ADAL" clId="{EFD6B2E2-7E1A-440D-BC5A-B4D830B15713}" dt="2021-10-31T12:22:07.561" v="200" actId="14429"/>
+      <pc:docMkLst>
+        <pc:docMk/>
+      </pc:docMkLst>
+      <pc:sldChg chg="modSp mod modNotesTx">
+        <pc:chgData name="WONE Alassane" userId="6ee3d247-377a-4c08-9aaf-14f146a8a423" providerId="ADAL" clId="{EFD6B2E2-7E1A-440D-BC5A-B4D830B15713}" dt="2021-10-31T12:22:07.561" v="200" actId="14429"/>
+        <pc:sldMkLst>
+          <pc:docMk/>
+          <pc:sldMk cId="2604263776" sldId="256"/>
+        </pc:sldMkLst>
+        <pc:spChg chg="mod modVis">
+          <ac:chgData name="WONE Alassane" userId="6ee3d247-377a-4c08-9aaf-14f146a8a423" providerId="ADAL" clId="{EFD6B2E2-7E1A-440D-BC5A-B4D830B15713}" dt="2021-10-31T12:22:07.561" v="200" actId="14429"/>
+          <ac:spMkLst>
+            <pc:docMk/>
+            <pc:sldMk cId="2604263776" sldId="256"/>
+            <ac:spMk id="8" creationId="{8C6E698C-8155-4B8B-BDC9-B7299772B509}"/>
+          </ac:spMkLst>
+        </pc:spChg>
+      </pc:sldChg>
+    </pc:docChg>
+  </pc:docChgLst>
 </pc:chgInfo>
+</file>
+
+<file path=ppt/notesMasters/notesMaster1.xml><?xml version="1.0" encoding="utf-8"?>
+<p:notesMaster xmlns:a="http://schemas.openxmlformats.org/drawingml/2006/main" xmlns:r="http://schemas.openxmlformats.org/officeDocument/2006/relationships" xmlns:p="http://schemas.openxmlformats.org/presentationml/2006/main">
+  <p:cSld>
+    <p:bg>
+      <p:bgRef idx="1001">
+        <a:schemeClr val="bg1"/>
+      </p:bgRef>
+    </p:bg>
+    <p:spTree>
+      <p:nvGrpSpPr>
+        <p:cNvPr id="1" name=""/>
+        <p:cNvGrpSpPr/>
+        <p:nvPr/>
+      </p:nvGrpSpPr>
+      <p:grpSpPr>
+        <a:xfrm>
+          <a:off x="0" y="0"/>
+          <a:ext cx="0" cy="0"/>
+          <a:chOff x="0" y="0"/>
+          <a:chExt cx="0" cy="0"/>
+        </a:xfrm>
+      </p:grpSpPr>
+      <p:sp>
+        <p:nvSpPr>
+          <p:cNvPr id="2" name="Espace réservé de l'en-tête 1"/>
+          <p:cNvSpPr>
+            <a:spLocks noGrp="1"/>
+          </p:cNvSpPr>
+          <p:nvPr>
+            <p:ph type="hdr" sz="quarter"/>
+          </p:nvPr>
+        </p:nvSpPr>
+        <p:spPr>
+          <a:xfrm>
+            <a:off x="0" y="0"/>
+            <a:ext cx="2971800" cy="458788"/>
+          </a:xfrm>
+          <a:prstGeom prst="rect">
+            <a:avLst/>
+          </a:prstGeom>
+        </p:spPr>
+        <p:txBody>
+          <a:bodyPr vert="horz" lIns="91440" tIns="45720" rIns="91440" bIns="45720" rtlCol="0"/>
+          <a:lstStyle>
+            <a:lvl1pPr algn="l">
+              <a:defRPr sz="1200"/>
+            </a:lvl1pPr>
+          </a:lstStyle>
+          <a:p>
+            <a:endParaRPr lang="fr-BE"/>
+          </a:p>
+        </p:txBody>
+      </p:sp>
+      <p:sp>
+        <p:nvSpPr>
+          <p:cNvPr id="3" name="Espace réservé de la date 2"/>
+          <p:cNvSpPr>
+            <a:spLocks noGrp="1"/>
+          </p:cNvSpPr>
+          <p:nvPr>
+            <p:ph type="dt" idx="1"/>
+          </p:nvPr>
+        </p:nvSpPr>
+        <p:spPr>
+          <a:xfrm>
+            <a:off x="3884613" y="0"/>
+            <a:ext cx="2971800" cy="458788"/>
+          </a:xfrm>
+          <a:prstGeom prst="rect">
+            <a:avLst/>
+          </a:prstGeom>
+        </p:spPr>
+        <p:txBody>
+          <a:bodyPr vert="horz" lIns="91440" tIns="45720" rIns="91440" bIns="45720" rtlCol="0"/>
+          <a:lstStyle>
+            <a:lvl1pPr algn="r">
+              <a:defRPr sz="1200"/>
+            </a:lvl1pPr>
+          </a:lstStyle>
+          <a:p>
+            <a:fld id="{044A94B4-1733-42BA-BA51-CFC4D231476D}" type="datetimeFigureOut">
+              <a:rPr lang="fr-BE" smtClean="0"/>
+              <a:t>31-10-21</a:t>
+            </a:fld>
+            <a:endParaRPr lang="fr-BE"/>
+          </a:p>
+        </p:txBody>
+      </p:sp>
+      <p:sp>
+        <p:nvSpPr>
+          <p:cNvPr id="4" name="Espace réservé de l'image des diapositives 3"/>
+          <p:cNvSpPr>
+            <a:spLocks noGrp="1" noRot="1" noChangeAspect="1"/>
+          </p:cNvSpPr>
+          <p:nvPr>
+            <p:ph type="sldImg" idx="2"/>
+          </p:nvPr>
+        </p:nvSpPr>
+        <p:spPr>
+          <a:xfrm>
+            <a:off x="685800" y="1143000"/>
+            <a:ext cx="5486400" cy="3086100"/>
+          </a:xfrm>
+          <a:prstGeom prst="rect">
+            <a:avLst/>
+          </a:prstGeom>
+          <a:noFill/>
+          <a:ln w="12700">
+            <a:solidFill>
+              <a:prstClr val="black"/>
+            </a:solidFill>
+          </a:ln>
+        </p:spPr>
+        <p:txBody>
+          <a:bodyPr vert="horz" lIns="91440" tIns="45720" rIns="91440" bIns="45720" rtlCol="0" anchor="ctr"/>
+          <a:lstStyle/>
+          <a:p>
+            <a:endParaRPr lang="fr-BE"/>
+          </a:p>
+        </p:txBody>
+      </p:sp>
+      <p:sp>
+        <p:nvSpPr>
+          <p:cNvPr id="5" name="Espace réservé des notes 4"/>
+          <p:cNvSpPr>
+            <a:spLocks noGrp="1"/>
+          </p:cNvSpPr>
+          <p:nvPr>
+            <p:ph type="body" sz="quarter" idx="3"/>
+          </p:nvPr>
+        </p:nvSpPr>
+        <p:spPr>
+          <a:xfrm>
+            <a:off x="685800" y="4400550"/>
+            <a:ext cx="5486400" cy="3600450"/>
+          </a:xfrm>
+          <a:prstGeom prst="rect">
+            <a:avLst/>
+          </a:prstGeom>
+        </p:spPr>
+        <p:txBody>
+          <a:bodyPr vert="horz" lIns="91440" tIns="45720" rIns="91440" bIns="45720" rtlCol="0"/>
+          <a:lstStyle/>
+          <a:p>
+            <a:pPr lvl="0"/>
+            <a:r>
+              <a:rPr lang="fr-FR"/>
+              <a:t>Cliquez pour modifier les styles du texte du masque</a:t>
+            </a:r>
+          </a:p>
+          <a:p>
+            <a:pPr lvl="1"/>
+            <a:r>
+              <a:rPr lang="fr-FR"/>
+              <a:t>Deuxième niveau</a:t>
+            </a:r>
+          </a:p>
+          <a:p>
+            <a:pPr lvl="2"/>
+            <a:r>
+              <a:rPr lang="fr-FR"/>
+              <a:t>Troisième niveau</a:t>
+            </a:r>
+          </a:p>
+          <a:p>
+            <a:pPr lvl="3"/>
+            <a:r>
+              <a:rPr lang="fr-FR"/>
+              <a:t>Quatrième niveau</a:t>
+            </a:r>
+          </a:p>
+          <a:p>
+            <a:pPr lvl="4"/>
+            <a:r>
+              <a:rPr lang="fr-FR"/>
+              <a:t>Cinquième niveau</a:t>
+            </a:r>
+            <a:endParaRPr lang="fr-BE"/>
+          </a:p>
+        </p:txBody>
+      </p:sp>
+      <p:sp>
+        <p:nvSpPr>
+          <p:cNvPr id="6" name="Espace réservé du pied de page 5"/>
+          <p:cNvSpPr>
+            <a:spLocks noGrp="1"/>
+          </p:cNvSpPr>
+          <p:nvPr>
+            <p:ph type="ftr" sz="quarter" idx="4"/>
+          </p:nvPr>
+        </p:nvSpPr>
+        <p:spPr>
+          <a:xfrm>
+            <a:off x="0" y="8685213"/>
+            <a:ext cx="2971800" cy="458787"/>
+          </a:xfrm>
+          <a:prstGeom prst="rect">
+            <a:avLst/>
+          </a:prstGeom>
+        </p:spPr>
+        <p:txBody>
+          <a:bodyPr vert="horz" lIns="91440" tIns="45720" rIns="91440" bIns="45720" rtlCol="0" anchor="b"/>
+          <a:lstStyle>
+            <a:lvl1pPr algn="l">
+              <a:defRPr sz="1200"/>
+            </a:lvl1pPr>
+          </a:lstStyle>
+          <a:p>
+            <a:endParaRPr lang="fr-BE"/>
+          </a:p>
+        </p:txBody>
+      </p:sp>
+      <p:sp>
+        <p:nvSpPr>
+          <p:cNvPr id="7" name="Espace réservé du numéro de diapositive 6"/>
+          <p:cNvSpPr>
+            <a:spLocks noGrp="1"/>
+          </p:cNvSpPr>
+          <p:nvPr>
+            <p:ph type="sldNum" sz="quarter" idx="5"/>
+          </p:nvPr>
+        </p:nvSpPr>
+        <p:spPr>
+          <a:xfrm>
+            <a:off x="3884613" y="8685213"/>
+            <a:ext cx="2971800" cy="458787"/>
+          </a:xfrm>
+          <a:prstGeom prst="rect">
+            <a:avLst/>
+          </a:prstGeom>
+        </p:spPr>
+        <p:txBody>
+          <a:bodyPr vert="horz" lIns="91440" tIns="45720" rIns="91440" bIns="45720" rtlCol="0" anchor="b"/>
+          <a:lstStyle>
+            <a:lvl1pPr algn="r">
+              <a:defRPr sz="1200"/>
+            </a:lvl1pPr>
+          </a:lstStyle>
+          <a:p>
+            <a:fld id="{BEB9D8A5-BBF7-48AF-9DB2-08812BD131E2}" type="slidenum">
+              <a:rPr lang="fr-BE" smtClean="0"/>
+              <a:t>‹N°›</a:t>
+            </a:fld>
+            <a:endParaRPr lang="fr-BE"/>
+          </a:p>
+        </p:txBody>
+      </p:sp>
+    </p:spTree>
+    <p:extLst>
+      <p:ext uri="{BB962C8B-B14F-4D97-AF65-F5344CB8AC3E}">
+        <p14:creationId xmlns:p14="http://schemas.microsoft.com/office/powerpoint/2010/main" val="1066160022"/>
+      </p:ext>
+    </p:extLst>
+  </p:cSld>
+  <p:clrMap bg1="lt1" tx1="dk1" bg2="lt2" tx2="dk2" accent1="accent1" accent2="accent2" accent3="accent3" accent4="accent4" accent5="accent5" accent6="accent6" hlink="hlink" folHlink="folHlink"/>
+  <p:notesStyle>
+    <a:lvl1pPr marL="0" algn="l" defTabSz="914400" rtl="0" eaLnBrk="1" latinLnBrk="0" hangingPunct="1">
+      <a:defRPr sz="1200" kern="1200">
+        <a:solidFill>
+          <a:schemeClr val="tx1"/>
+        </a:solidFill>
+        <a:latin typeface="+mn-lt"/>
+        <a:ea typeface="+mn-ea"/>
+        <a:cs typeface="+mn-cs"/>
+      </a:defRPr>
+    </a:lvl1pPr>
+    <a:lvl2pPr marL="457200" algn="l" defTabSz="914400" rtl="0" eaLnBrk="1" latinLnBrk="0" hangingPunct="1">
+      <a:defRPr sz="1200" kern="1200">
+        <a:solidFill>
+          <a:schemeClr val="tx1"/>
+        </a:solidFill>
+        <a:latin typeface="+mn-lt"/>
+        <a:ea typeface="+mn-ea"/>
+        <a:cs typeface="+mn-cs"/>
+      </a:defRPr>
+    </a:lvl2pPr>
+    <a:lvl3pPr marL="914400" algn="l" defTabSz="914400" rtl="0" eaLnBrk="1" latinLnBrk="0" hangingPunct="1">
+      <a:defRPr sz="1200" kern="1200">
+        <a:solidFill>
+          <a:schemeClr val="tx1"/>
+        </a:solidFill>
+        <a:latin typeface="+mn-lt"/>
+        <a:ea typeface="+mn-ea"/>
+        <a:cs typeface="+mn-cs"/>
+      </a:defRPr>
+    </a:lvl3pPr>
+    <a:lvl4pPr marL="1371600" algn="l" defTabSz="914400" rtl="0" eaLnBrk="1" latinLnBrk="0" hangingPunct="1">
+      <a:defRPr sz="1200" kern="1200">
+        <a:solidFill>
+          <a:schemeClr val="tx1"/>
+        </a:solidFill>
+        <a:latin typeface="+mn-lt"/>
+        <a:ea typeface="+mn-ea"/>
+        <a:cs typeface="+mn-cs"/>
+      </a:defRPr>
+    </a:lvl4pPr>
+    <a:lvl5pPr marL="1828800" algn="l" defTabSz="914400" rtl="0" eaLnBrk="1" latinLnBrk="0" hangingPunct="1">
+      <a:defRPr sz="1200" kern="1200">
+        <a:solidFill>
+          <a:schemeClr val="tx1"/>
+        </a:solidFill>
+        <a:latin typeface="+mn-lt"/>
+        <a:ea typeface="+mn-ea"/>
+        <a:cs typeface="+mn-cs"/>
+      </a:defRPr>
+    </a:lvl5pPr>
+    <a:lvl6pPr marL="2286000" algn="l" defTabSz="914400" rtl="0" eaLnBrk="1" latinLnBrk="0" hangingPunct="1">
+      <a:defRPr sz="1200" kern="1200">
+        <a:solidFill>
+          <a:schemeClr val="tx1"/>
+        </a:solidFill>
+        <a:latin typeface="+mn-lt"/>
+        <a:ea typeface="+mn-ea"/>
+        <a:cs typeface="+mn-cs"/>
+      </a:defRPr>
+    </a:lvl6pPr>
+    <a:lvl7pPr marL="2743200" algn="l" defTabSz="914400" rtl="0" eaLnBrk="1" latinLnBrk="0" hangingPunct="1">
+      <a:defRPr sz="1200" kern="1200">
+        <a:solidFill>
+          <a:schemeClr val="tx1"/>
+        </a:solidFill>
+        <a:latin typeface="+mn-lt"/>
+        <a:ea typeface="+mn-ea"/>
+        <a:cs typeface="+mn-cs"/>
+      </a:defRPr>
+    </a:lvl7pPr>
+    <a:lvl8pPr marL="3200400" algn="l" defTabSz="914400" rtl="0" eaLnBrk="1" latinLnBrk="0" hangingPunct="1">
+      <a:defRPr sz="1200" kern="1200">
+        <a:solidFill>
+          <a:schemeClr val="tx1"/>
+        </a:solidFill>
+        <a:latin typeface="+mn-lt"/>
+        <a:ea typeface="+mn-ea"/>
+        <a:cs typeface="+mn-cs"/>
+      </a:defRPr>
+    </a:lvl8pPr>
+    <a:lvl9pPr marL="3657600" algn="l" defTabSz="914400" rtl="0" eaLnBrk="1" latinLnBrk="0" hangingPunct="1">
+      <a:defRPr sz="1200" kern="1200">
+        <a:solidFill>
+          <a:schemeClr val="tx1"/>
+        </a:solidFill>
+        <a:latin typeface="+mn-lt"/>
+        <a:ea typeface="+mn-ea"/>
+        <a:cs typeface="+mn-cs"/>
+      </a:defRPr>
+    </a:lvl9pPr>
+  </p:notesStyle>
+</p:notesMaster>
+</file>
+
+<file path=ppt/notesSlides/notesSlide1.xml><?xml version="1.0" encoding="utf-8"?>
+<p:notes xmlns:a="http://schemas.openxmlformats.org/drawingml/2006/main" xmlns:r="http://schemas.openxmlformats.org/officeDocument/2006/relationships" xmlns:p="http://schemas.openxmlformats.org/presentationml/2006/main">
+  <p:cSld>
+    <p:spTree>
+      <p:nvGrpSpPr>
+        <p:cNvPr id="1" name=""/>
+        <p:cNvGrpSpPr/>
+        <p:nvPr/>
+      </p:nvGrpSpPr>
+      <p:grpSpPr>
+        <a:xfrm>
+          <a:off x="0" y="0"/>
+          <a:ext cx="0" cy="0"/>
+          <a:chOff x="0" y="0"/>
+          <a:chExt cx="0" cy="0"/>
+        </a:xfrm>
+      </p:grpSpPr>
+      <p:sp>
+        <p:nvSpPr>
+          <p:cNvPr id="2" name="Espace réservé de l'image des diapositives 1"/>
+          <p:cNvSpPr>
+            <a:spLocks noGrp="1" noRot="1" noChangeAspect="1"/>
+          </p:cNvSpPr>
+          <p:nvPr>
+            <p:ph type="sldImg"/>
+          </p:nvPr>
+        </p:nvSpPr>
+        <p:spPr/>
+      </p:sp>
+      <p:sp>
+        <p:nvSpPr>
+          <p:cNvPr id="3" name="Espace réservé des notes 2"/>
+          <p:cNvSpPr>
+            <a:spLocks noGrp="1"/>
+          </p:cNvSpPr>
+          <p:nvPr>
+            <p:ph type="body" idx="1"/>
+          </p:nvPr>
+        </p:nvSpPr>
+        <p:spPr/>
+        <p:txBody>
+          <a:bodyPr/>
+          <a:lstStyle/>
+          <a:p>
+            <a:r>
+              <a:rPr lang="fr-FR" dirty="0"/>
+              <a:t>Projet qui a pour but … en mettant les étudiants en relations</a:t>
+            </a:r>
+            <a:endParaRPr lang="fr-BE" dirty="0"/>
+          </a:p>
+        </p:txBody>
+      </p:sp>
+      <p:sp>
+        <p:nvSpPr>
+          <p:cNvPr id="4" name="Espace réservé du numéro de diapositive 3"/>
+          <p:cNvSpPr>
+            <a:spLocks noGrp="1"/>
+          </p:cNvSpPr>
+          <p:nvPr>
+            <p:ph type="sldNum" sz="quarter" idx="5"/>
+          </p:nvPr>
+        </p:nvSpPr>
+        <p:spPr/>
+        <p:txBody>
+          <a:bodyPr/>
+          <a:lstStyle/>
+          <a:p>
+            <a:fld id="{BEB9D8A5-BBF7-48AF-9DB2-08812BD131E2}" type="slidenum">
+              <a:rPr lang="fr-BE" smtClean="0"/>
+              <a:t>1</a:t>
+            </a:fld>
+            <a:endParaRPr lang="fr-BE"/>
+          </a:p>
+        </p:txBody>
+      </p:sp>
+    </p:spTree>
+    <p:extLst>
+      <p:ext uri="{BB962C8B-B14F-4D97-AF65-F5344CB8AC3E}">
+        <p14:creationId xmlns:p14="http://schemas.microsoft.com/office/powerpoint/2010/main" val="486759298"/>
+      </p:ext>
+    </p:extLst>
+  </p:cSld>
+  <p:clrMapOvr>
+    <a:masterClrMapping/>
+  </p:clrMapOvr>
+</p:notes>
 </file>
 
 <file path=ppt/slideLayouts/slideLayout1.xml><?xml version="1.0" encoding="utf-8"?>
@@ -4633,7 +5098,7 @@
           <p:nvPr/>
         </p:nvPicPr>
         <p:blipFill>
-          <a:blip r:embed="rId2">
+          <a:blip r:embed="rId3">
             <a:alphaModFix amt="5000"/>
             <a:extLst>
               <a:ext uri="{28A0092B-C50C-407E-A947-70E740481C1C}">
@@ -7589,4 +8054,299 @@
     </a:ext>
   </a:extLst>
 </a:theme>
+</file>
+
+<file path=ppt/theme/theme2.xml><?xml version="1.0" encoding="utf-8"?>
+<a:theme xmlns:a="http://schemas.openxmlformats.org/drawingml/2006/main" name="Thème Office">
+  <a:themeElements>
+    <a:clrScheme name="Office">
+      <a:dk1>
+        <a:sysClr val="windowText" lastClr="000000"/>
+      </a:dk1>
+      <a:lt1>
+        <a:sysClr val="window" lastClr="FFFFFF"/>
+      </a:lt1>
+      <a:dk2>
+        <a:srgbClr val="44546A"/>
+      </a:dk2>
+      <a:lt2>
+        <a:srgbClr val="E7E6E6"/>
+      </a:lt2>
+      <a:accent1>
+        <a:srgbClr val="4472C4"/>
+      </a:accent1>
+      <a:accent2>
+        <a:srgbClr val="ED7D31"/>
+      </a:accent2>
+      <a:accent3>
+        <a:srgbClr val="A5A5A5"/>
+      </a:accent3>
+      <a:accent4>
+        <a:srgbClr val="FFC000"/>
+      </a:accent4>
+      <a:accent5>
+        <a:srgbClr val="5B9BD5"/>
+      </a:accent5>
+      <a:accent6>
+        <a:srgbClr val="70AD47"/>
+      </a:accent6>
+      <a:hlink>
+        <a:srgbClr val="0563C1"/>
+      </a:hlink>
+      <a:folHlink>
+        <a:srgbClr val="954F72"/>
+      </a:folHlink>
+    </a:clrScheme>
+    <a:fontScheme name="Office">
+      <a:majorFont>
+        <a:latin typeface="Calibri Light" panose="020F0302020204030204"/>
+        <a:ea typeface=""/>
+        <a:cs typeface=""/>
+        <a:font script="Jpan" typeface="游ゴシック Light"/>
+        <a:font script="Hang" typeface="맑은 고딕"/>
+        <a:font script="Hans" typeface="等线 Light"/>
+        <a:font script="Hant" typeface="新細明體"/>
+        <a:font script="Arab" typeface="Times New Roman"/>
+        <a:font script="Hebr" typeface="Times New Roman"/>
+        <a:font script="Thai" typeface="Angsana New"/>
+        <a:font script="Ethi" typeface="Nyala"/>
+        <a:font script="Beng" typeface="Vrinda"/>
+        <a:font script="Gujr" typeface="Shruti"/>
+        <a:font script="Khmr" typeface="MoolBoran"/>
+        <a:font script="Knda" typeface="Tunga"/>
+        <a:font script="Guru" typeface="Raavi"/>
+        <a:font script="Cans" typeface="Euphemia"/>
+        <a:font script="Cher" typeface="Plantagenet Cherokee"/>
+        <a:font script="Yiii" typeface="Microsoft Yi Baiti"/>
+        <a:font script="Tibt" typeface="Microsoft Himalaya"/>
+        <a:font script="Thaa" typeface="MV Boli"/>
+        <a:font script="Deva" typeface="Mangal"/>
+        <a:font script="Telu" typeface="Gautami"/>
+        <a:font script="Taml" typeface="Latha"/>
+        <a:font script="Syrc" typeface="Estrangelo Edessa"/>
+        <a:font script="Orya" typeface="Kalinga"/>
+        <a:font script="Mlym" typeface="Kartika"/>
+        <a:font script="Laoo" typeface="DokChampa"/>
+        <a:font script="Sinh" typeface="Iskoola Pota"/>
+        <a:font script="Mong" typeface="Mongolian Baiti"/>
+        <a:font script="Viet" typeface="Times New Roman"/>
+        <a:font script="Uigh" typeface="Microsoft Uighur"/>
+        <a:font script="Geor" typeface="Sylfaen"/>
+        <a:font script="Armn" typeface="Arial"/>
+        <a:font script="Bugi" typeface="Leelawadee UI"/>
+        <a:font script="Bopo" typeface="Microsoft JhengHei"/>
+        <a:font script="Java" typeface="Javanese Text"/>
+        <a:font script="Lisu" typeface="Segoe UI"/>
+        <a:font script="Mymr" typeface="Myanmar Text"/>
+        <a:font script="Nkoo" typeface="Ebrima"/>
+        <a:font script="Olck" typeface="Nirmala UI"/>
+        <a:font script="Osma" typeface="Ebrima"/>
+        <a:font script="Phag" typeface="Phagspa"/>
+        <a:font script="Syrn" typeface="Estrangelo Edessa"/>
+        <a:font script="Syrj" typeface="Estrangelo Edessa"/>
+        <a:font script="Syre" typeface="Estrangelo Edessa"/>
+        <a:font script="Sora" typeface="Nirmala UI"/>
+        <a:font script="Tale" typeface="Microsoft Tai Le"/>
+        <a:font script="Talu" typeface="Microsoft New Tai Lue"/>
+        <a:font script="Tfng" typeface="Ebrima"/>
+      </a:majorFont>
+      <a:minorFont>
+        <a:latin typeface="Calibri" panose="020F0502020204030204"/>
+        <a:ea typeface=""/>
+        <a:cs typeface=""/>
+        <a:font script="Jpan" typeface="游ゴシック"/>
+        <a:font script="Hang" typeface="맑은 고딕"/>
+        <a:font script="Hans" typeface="等线"/>
+        <a:font script="Hant" typeface="新細明體"/>
+        <a:font script="Arab" typeface="Arial"/>
+        <a:font script="Hebr" typeface="Arial"/>
+        <a:font script="Thai" typeface="Cordia New"/>
+        <a:font script="Ethi" typeface="Nyala"/>
+        <a:font script="Beng" typeface="Vrinda"/>
+        <a:font script="Gujr" typeface="Shruti"/>
+        <a:font script="Khmr" typeface="DaunPenh"/>
+        <a:font script="Knda" typeface="Tunga"/>
+        <a:font script="Guru" typeface="Raavi"/>
+        <a:font script="Cans" typeface="Euphemia"/>
+        <a:font script="Cher" typeface="Plantagenet Cherokee"/>
+        <a:font script="Yiii" typeface="Microsoft Yi Baiti"/>
+        <a:font script="Tibt" typeface="Microsoft Himalaya"/>
+        <a:font script="Thaa" typeface="MV Boli"/>
+        <a:font script="Deva" typeface="Mangal"/>
+        <a:font script="Telu" typeface="Gautami"/>
+        <a:font script="Taml" typeface="Latha"/>
+        <a:font script="Syrc" typeface="Estrangelo Edessa"/>
+        <a:font script="Orya" typeface="Kalinga"/>
+        <a:font script="Mlym" typeface="Kartika"/>
+        <a:font script="Laoo" typeface="DokChampa"/>
+        <a:font script="Sinh" typeface="Iskoola Pota"/>
+        <a:font script="Mong" typeface="Mongolian Baiti"/>
+        <a:font script="Viet" typeface="Arial"/>
+        <a:font script="Uigh" typeface="Microsoft Uighur"/>
+        <a:font script="Geor" typeface="Sylfaen"/>
+        <a:font script="Armn" typeface="Arial"/>
+        <a:font script="Bugi" typeface="Leelawadee UI"/>
+        <a:font script="Bopo" typeface="Microsoft JhengHei"/>
+        <a:font script="Java" typeface="Javanese Text"/>
+        <a:font script="Lisu" typeface="Segoe UI"/>
+        <a:font script="Mymr" typeface="Myanmar Text"/>
+        <a:font script="Nkoo" typeface="Ebrima"/>
+        <a:font script="Olck" typeface="Nirmala UI"/>
+        <a:font script="Osma" typeface="Ebrima"/>
+        <a:font script="Phag" typeface="Phagspa"/>
+        <a:font script="Syrn" typeface="Estrangelo Edessa"/>
+        <a:font script="Syrj" typeface="Estrangelo Edessa"/>
+        <a:font script="Syre" typeface="Estrangelo Edessa"/>
+        <a:font script="Sora" typeface="Nirmala UI"/>
+        <a:font script="Tale" typeface="Microsoft Tai Le"/>
+        <a:font script="Talu" typeface="Microsoft New Tai Lue"/>
+        <a:font script="Tfng" typeface="Ebrima"/>
+      </a:minorFont>
+    </a:fontScheme>
+    <a:fmtScheme name="Office">
+      <a:fillStyleLst>
+        <a:solidFill>
+          <a:schemeClr val="phClr"/>
+        </a:solidFill>
+        <a:gradFill rotWithShape="1">
+          <a:gsLst>
+            <a:gs pos="0">
+              <a:schemeClr val="phClr">
+                <a:lumMod val="110000"/>
+                <a:satMod val="105000"/>
+                <a:tint val="67000"/>
+              </a:schemeClr>
+            </a:gs>
+            <a:gs pos="50000">
+              <a:schemeClr val="phClr">
+                <a:lumMod val="105000"/>
+                <a:satMod val="103000"/>
+                <a:tint val="73000"/>
+              </a:schemeClr>
+            </a:gs>
+            <a:gs pos="100000">
+              <a:schemeClr val="phClr">
+                <a:lumMod val="105000"/>
+                <a:satMod val="109000"/>
+                <a:tint val="81000"/>
+              </a:schemeClr>
+            </a:gs>
+          </a:gsLst>
+          <a:lin ang="5400000" scaled="0"/>
+        </a:gradFill>
+        <a:gradFill rotWithShape="1">
+          <a:gsLst>
+            <a:gs pos="0">
+              <a:schemeClr val="phClr">
+                <a:satMod val="103000"/>
+                <a:lumMod val="102000"/>
+                <a:tint val="94000"/>
+              </a:schemeClr>
+            </a:gs>
+            <a:gs pos="50000">
+              <a:schemeClr val="phClr">
+                <a:satMod val="110000"/>
+                <a:lumMod val="100000"/>
+                <a:shade val="100000"/>
+              </a:schemeClr>
+            </a:gs>
+            <a:gs pos="100000">
+              <a:schemeClr val="phClr">
+                <a:lumMod val="99000"/>
+                <a:satMod val="120000"/>
+                <a:shade val="78000"/>
+              </a:schemeClr>
+            </a:gs>
+          </a:gsLst>
+          <a:lin ang="5400000" scaled="0"/>
+        </a:gradFill>
+      </a:fillStyleLst>
+      <a:lnStyleLst>
+        <a:ln w="6350" cap="flat" cmpd="sng" algn="ctr">
+          <a:solidFill>
+            <a:schemeClr val="phClr"/>
+          </a:solidFill>
+          <a:prstDash val="solid"/>
+          <a:miter lim="800000"/>
+        </a:ln>
+        <a:ln w="12700" cap="flat" cmpd="sng" algn="ctr">
+          <a:solidFill>
+            <a:schemeClr val="phClr"/>
+          </a:solidFill>
+          <a:prstDash val="solid"/>
+          <a:miter lim="800000"/>
+        </a:ln>
+        <a:ln w="19050" cap="flat" cmpd="sng" algn="ctr">
+          <a:solidFill>
+            <a:schemeClr val="phClr"/>
+          </a:solidFill>
+          <a:prstDash val="solid"/>
+          <a:miter lim="800000"/>
+        </a:ln>
+      </a:lnStyleLst>
+      <a:effectStyleLst>
+        <a:effectStyle>
+          <a:effectLst/>
+        </a:effectStyle>
+        <a:effectStyle>
+          <a:effectLst/>
+        </a:effectStyle>
+        <a:effectStyle>
+          <a:effectLst>
+            <a:outerShdw blurRad="57150" dist="19050" dir="5400000" algn="ctr" rotWithShape="0">
+              <a:srgbClr val="000000">
+                <a:alpha val="63000"/>
+              </a:srgbClr>
+            </a:outerShdw>
+          </a:effectLst>
+        </a:effectStyle>
+      </a:effectStyleLst>
+      <a:bgFillStyleLst>
+        <a:solidFill>
+          <a:schemeClr val="phClr"/>
+        </a:solidFill>
+        <a:solidFill>
+          <a:schemeClr val="phClr">
+            <a:tint val="95000"/>
+            <a:satMod val="170000"/>
+          </a:schemeClr>
+        </a:solidFill>
+        <a:gradFill rotWithShape="1">
+          <a:gsLst>
+            <a:gs pos="0">
+              <a:schemeClr val="phClr">
+                <a:tint val="93000"/>
+                <a:satMod val="150000"/>
+                <a:shade val="98000"/>
+                <a:lumMod val="102000"/>
+              </a:schemeClr>
+            </a:gs>
+            <a:gs pos="50000">
+              <a:schemeClr val="phClr">
+                <a:tint val="98000"/>
+                <a:satMod val="130000"/>
+                <a:shade val="90000"/>
+                <a:lumMod val="103000"/>
+              </a:schemeClr>
+            </a:gs>
+            <a:gs pos="100000">
+              <a:schemeClr val="phClr">
+                <a:shade val="63000"/>
+                <a:satMod val="120000"/>
+              </a:schemeClr>
+            </a:gs>
+          </a:gsLst>
+          <a:lin ang="5400000" scaled="0"/>
+        </a:gradFill>
+      </a:bgFillStyleLst>
+    </a:fmtScheme>
+  </a:themeElements>
+  <a:objectDefaults/>
+  <a:extraClrSchemeLst/>
+  <a:extLst>
+    <a:ext uri="{05A4C25C-085E-4340-85A3-A5531E510DB2}">
+      <thm15:themeFamily xmlns:thm15="http://schemas.microsoft.com/office/thememl/2012/main" name="Office Theme" id="{62F939B6-93AF-4DB8-9C6B-D6C7DFDC589F}" vid="{4A3C46E8-61CC-4603-A589-7422A47A8E4A}"/>
+    </a:ext>
+  </a:extLst>
+</a:theme>
 </file>